--- a/Lec15/cs6110-Lec14-Hoare-Logic.pptx
+++ b/Lec15/cs6110-Lec14-Hoare-Logic.pptx
@@ -5,41 +5,46 @@
     <p:sldMasterId id="2147483648" r:id="rId1"/>
   </p:sldMasterIdLst>
   <p:notesMasterIdLst>
-    <p:notesMasterId r:id="rId31"/>
+    <p:notesMasterId r:id="rId36"/>
   </p:notesMasterIdLst>
   <p:handoutMasterIdLst>
-    <p:handoutMasterId r:id="rId32"/>
+    <p:handoutMasterId r:id="rId37"/>
   </p:handoutMasterIdLst>
   <p:sldIdLst>
     <p:sldId id="414" r:id="rId2"/>
-    <p:sldId id="1240" r:id="rId3"/>
-    <p:sldId id="1286" r:id="rId4"/>
-    <p:sldId id="1287" r:id="rId5"/>
-    <p:sldId id="1288" r:id="rId6"/>
-    <p:sldId id="1289" r:id="rId7"/>
-    <p:sldId id="1290" r:id="rId8"/>
-    <p:sldId id="1291" r:id="rId9"/>
-    <p:sldId id="1292" r:id="rId10"/>
-    <p:sldId id="1293" r:id="rId11"/>
-    <p:sldId id="1294" r:id="rId12"/>
-    <p:sldId id="1295" r:id="rId13"/>
-    <p:sldId id="1296" r:id="rId14"/>
-    <p:sldId id="1297" r:id="rId15"/>
-    <p:sldId id="1298" r:id="rId16"/>
-    <p:sldId id="1299" r:id="rId17"/>
-    <p:sldId id="1300" r:id="rId18"/>
-    <p:sldId id="1301" r:id="rId19"/>
-    <p:sldId id="1303" r:id="rId20"/>
-    <p:sldId id="1302" r:id="rId21"/>
-    <p:sldId id="1305" r:id="rId22"/>
-    <p:sldId id="1306" r:id="rId23"/>
-    <p:sldId id="1307" r:id="rId24"/>
-    <p:sldId id="1308" r:id="rId25"/>
-    <p:sldId id="1309" r:id="rId26"/>
-    <p:sldId id="1310" r:id="rId27"/>
-    <p:sldId id="1311" r:id="rId28"/>
-    <p:sldId id="1304" r:id="rId29"/>
-    <p:sldId id="1245" r:id="rId30"/>
+    <p:sldId id="1245" r:id="rId3"/>
+    <p:sldId id="1240" r:id="rId4"/>
+    <p:sldId id="1288" r:id="rId5"/>
+    <p:sldId id="1289" r:id="rId6"/>
+    <p:sldId id="1290" r:id="rId7"/>
+    <p:sldId id="1291" r:id="rId8"/>
+    <p:sldId id="1292" r:id="rId9"/>
+    <p:sldId id="1293" r:id="rId10"/>
+    <p:sldId id="1294" r:id="rId11"/>
+    <p:sldId id="1295" r:id="rId12"/>
+    <p:sldId id="1296" r:id="rId13"/>
+    <p:sldId id="1297" r:id="rId14"/>
+    <p:sldId id="1298" r:id="rId15"/>
+    <p:sldId id="1299" r:id="rId16"/>
+    <p:sldId id="1300" r:id="rId17"/>
+    <p:sldId id="1286" r:id="rId18"/>
+    <p:sldId id="1304" r:id="rId19"/>
+    <p:sldId id="1314" r:id="rId20"/>
+    <p:sldId id="1308" r:id="rId21"/>
+    <p:sldId id="1315" r:id="rId22"/>
+    <p:sldId id="1316" r:id="rId23"/>
+    <p:sldId id="1317" r:id="rId24"/>
+    <p:sldId id="1311" r:id="rId25"/>
+    <p:sldId id="1319" r:id="rId26"/>
+    <p:sldId id="1320" r:id="rId27"/>
+    <p:sldId id="1321" r:id="rId28"/>
+    <p:sldId id="1318" r:id="rId29"/>
+    <p:sldId id="1322" r:id="rId30"/>
+    <p:sldId id="1323" r:id="rId31"/>
+    <p:sldId id="1324" r:id="rId32"/>
+    <p:sldId id="1325" r:id="rId33"/>
+    <p:sldId id="1326" r:id="rId34"/>
+    <p:sldId id="1327" r:id="rId35"/>
   </p:sldIdLst>
   <p:sldSz cx="12192000" cy="6858000"/>
   <p:notesSz cx="6858000" cy="9144000"/>
@@ -243,7 +248,7 @@
           <a:p>
             <a:fld id="{36B64484-7F23-844A-BCEB-06DFAD827E32}" type="datetimeFigureOut">
               <a:rPr lang="en-US" smtClean="0"/>
-              <a:t>2/20/23</a:t>
+              <a:t>2/22/23</a:t>
             </a:fld>
             <a:endParaRPr lang="en-US"/>
           </a:p>
@@ -420,7 +425,7 @@
           <a:p>
             <a:fld id="{4EBE11B0-21E1-9842-BB37-72784894B0AB}" type="datetimeFigureOut">
               <a:rPr lang="en-US" smtClean="0"/>
-              <a:t>2/20/23</a:t>
+              <a:t>2/22/23</a:t>
             </a:fld>
             <a:endParaRPr lang="en-US"/>
           </a:p>
@@ -3840,7 +3845,7 @@
             <a:pPr algn="ctr"/>
             <a:r>
               <a:rPr lang="en-US" sz="3600" dirty="0"/>
-              <a:t>CS 5/6110, Software Correctness Analysis, Spring 2022</a:t>
+              <a:t>CS 5/6110, Software Correctness Analysis, Spring 2023</a:t>
             </a:r>
             <a:endParaRPr lang="en-US" dirty="0"/>
           </a:p>
@@ -3889,66 +3894,6 @@
           <p:cNvPr id="3" name="Picture 2" descr="Text&#10;&#10;Description automatically generated">
             <a:extLst>
               <a:ext uri="{FF2B5EF4-FFF2-40B4-BE49-F238E27FC236}">
-                <a16:creationId xmlns:a16="http://schemas.microsoft.com/office/drawing/2014/main" id="{3FD6DB53-E4F5-6246-B7F3-374C47F2D0DF}"/>
-              </a:ext>
-            </a:extLst>
-          </p:cNvPr>
-          <p:cNvPicPr>
-            <a:picLocks noChangeAspect="1"/>
-          </p:cNvPicPr>
-          <p:nvPr/>
-        </p:nvPicPr>
-        <p:blipFill>
-          <a:blip r:embed="rId2"/>
-          <a:stretch>
-            <a:fillRect/>
-          </a:stretch>
-        </p:blipFill>
-        <p:spPr>
-          <a:xfrm>
-            <a:off x="2546350" y="1111250"/>
-            <a:ext cx="7099300" cy="4635500"/>
-          </a:xfrm>
-          <a:prstGeom prst="rect">
-            <a:avLst/>
-          </a:prstGeom>
-        </p:spPr>
-      </p:pic>
-    </p:spTree>
-    <p:extLst>
-      <p:ext uri="{BB962C8B-B14F-4D97-AF65-F5344CB8AC3E}">
-        <p14:creationId xmlns:p14="http://schemas.microsoft.com/office/powerpoint/2010/main" val="4260368484"/>
-      </p:ext>
-    </p:extLst>
-  </p:cSld>
-  <p:clrMapOvr>
-    <a:masterClrMapping/>
-  </p:clrMapOvr>
-</p:sld>
-</file>
-
-<file path=ppt/slides/slide11.xml><?xml version="1.0" encoding="utf-8"?>
-<p:sld xmlns:a="http://schemas.openxmlformats.org/drawingml/2006/main" xmlns:r="http://schemas.openxmlformats.org/officeDocument/2006/relationships" xmlns:p="http://schemas.openxmlformats.org/presentationml/2006/main">
-  <p:cSld>
-    <p:spTree>
-      <p:nvGrpSpPr>
-        <p:cNvPr id="1" name=""/>
-        <p:cNvGrpSpPr/>
-        <p:nvPr/>
-      </p:nvGrpSpPr>
-      <p:grpSpPr>
-        <a:xfrm>
-          <a:off x="0" y="0"/>
-          <a:ext cx="0" cy="0"/>
-          <a:chOff x="0" y="0"/>
-          <a:chExt cx="0" cy="0"/>
-        </a:xfrm>
-      </p:grpSpPr>
-      <p:pic>
-        <p:nvPicPr>
-          <p:cNvPr id="3" name="Picture 2" descr="Text&#10;&#10;Description automatically generated">
-            <a:extLst>
-              <a:ext uri="{FF2B5EF4-FFF2-40B4-BE49-F238E27FC236}">
                 <a16:creationId xmlns:a16="http://schemas.microsoft.com/office/drawing/2014/main" id="{2100504A-B86F-2342-B875-AA20D8ED5452}"/>
               </a:ext>
             </a:extLst>
@@ -3977,7 +3922,7 @@
     </p:spTree>
     <p:extLst>
       <p:ext uri="{BB962C8B-B14F-4D97-AF65-F5344CB8AC3E}">
-        <p14:creationId xmlns:p14="http://schemas.microsoft.com/office/powerpoint/2010/main" val="1664862531"/>
+        <p14:creationId xmlns:p14="http://schemas.microsoft.com/office/powerpoint/2010/main" val="3248516101"/>
       </p:ext>
     </p:extLst>
   </p:cSld>
@@ -3987,7 +3932,7 @@
 </p:sld>
 </file>
 
-<file path=ppt/slides/slide12.xml><?xml version="1.0" encoding="utf-8"?>
+<file path=ppt/slides/slide11.xml><?xml version="1.0" encoding="utf-8"?>
 <p:sld xmlns:a="http://schemas.openxmlformats.org/drawingml/2006/main" xmlns:r="http://schemas.openxmlformats.org/officeDocument/2006/relationships" xmlns:p="http://schemas.openxmlformats.org/presentationml/2006/main">
   <p:cSld>
     <p:spTree>
@@ -4037,7 +3982,7 @@
     </p:spTree>
     <p:extLst>
       <p:ext uri="{BB962C8B-B14F-4D97-AF65-F5344CB8AC3E}">
-        <p14:creationId xmlns:p14="http://schemas.microsoft.com/office/powerpoint/2010/main" val="3885484045"/>
+        <p14:creationId xmlns:p14="http://schemas.microsoft.com/office/powerpoint/2010/main" val="2218625266"/>
       </p:ext>
     </p:extLst>
   </p:cSld>
@@ -4047,7 +3992,7 @@
 </p:sld>
 </file>
 
-<file path=ppt/slides/slide13.xml><?xml version="1.0" encoding="utf-8"?>
+<file path=ppt/slides/slide12.xml><?xml version="1.0" encoding="utf-8"?>
 <p:sld xmlns:a="http://schemas.openxmlformats.org/drawingml/2006/main" xmlns:r="http://schemas.openxmlformats.org/officeDocument/2006/relationships" xmlns:p="http://schemas.openxmlformats.org/presentationml/2006/main">
   <p:cSld>
     <p:spTree>
@@ -4097,7 +4042,7 @@
     </p:spTree>
     <p:extLst>
       <p:ext uri="{BB962C8B-B14F-4D97-AF65-F5344CB8AC3E}">
-        <p14:creationId xmlns:p14="http://schemas.microsoft.com/office/powerpoint/2010/main" val="2723655869"/>
+        <p14:creationId xmlns:p14="http://schemas.microsoft.com/office/powerpoint/2010/main" val="472274888"/>
       </p:ext>
     </p:extLst>
   </p:cSld>
@@ -4107,7 +4052,7 @@
 </p:sld>
 </file>
 
-<file path=ppt/slides/slide14.xml><?xml version="1.0" encoding="utf-8"?>
+<file path=ppt/slides/slide13.xml><?xml version="1.0" encoding="utf-8"?>
 <p:sld xmlns:a="http://schemas.openxmlformats.org/drawingml/2006/main" xmlns:r="http://schemas.openxmlformats.org/officeDocument/2006/relationships" xmlns:p="http://schemas.openxmlformats.org/presentationml/2006/main">
   <p:cSld>
     <p:spTree>
@@ -4157,7 +4102,7 @@
     </p:spTree>
     <p:extLst>
       <p:ext uri="{BB962C8B-B14F-4D97-AF65-F5344CB8AC3E}">
-        <p14:creationId xmlns:p14="http://schemas.microsoft.com/office/powerpoint/2010/main" val="1697497706"/>
+        <p14:creationId xmlns:p14="http://schemas.microsoft.com/office/powerpoint/2010/main" val="1833788934"/>
       </p:ext>
     </p:extLst>
   </p:cSld>
@@ -4167,7 +4112,7 @@
 </p:sld>
 </file>
 
-<file path=ppt/slides/slide15.xml><?xml version="1.0" encoding="utf-8"?>
+<file path=ppt/slides/slide14.xml><?xml version="1.0" encoding="utf-8"?>
 <p:sld xmlns:a="http://schemas.openxmlformats.org/drawingml/2006/main" xmlns:r="http://schemas.openxmlformats.org/officeDocument/2006/relationships" xmlns:p="http://schemas.openxmlformats.org/presentationml/2006/main">
   <p:cSld>
     <p:spTree>
@@ -4217,7 +4162,7 @@
     </p:spTree>
     <p:extLst>
       <p:ext uri="{BB962C8B-B14F-4D97-AF65-F5344CB8AC3E}">
-        <p14:creationId xmlns:p14="http://schemas.microsoft.com/office/powerpoint/2010/main" val="3631930194"/>
+        <p14:creationId xmlns:p14="http://schemas.microsoft.com/office/powerpoint/2010/main" val="1131281694"/>
       </p:ext>
     </p:extLst>
   </p:cSld>
@@ -4227,7 +4172,7 @@
 </p:sld>
 </file>
 
-<file path=ppt/slides/slide16.xml><?xml version="1.0" encoding="utf-8"?>
+<file path=ppt/slides/slide15.xml><?xml version="1.0" encoding="utf-8"?>
 <p:sld xmlns:a="http://schemas.openxmlformats.org/drawingml/2006/main" xmlns:r="http://schemas.openxmlformats.org/officeDocument/2006/relationships" xmlns:p="http://schemas.openxmlformats.org/presentationml/2006/main">
   <p:cSld>
     <p:spTree>
@@ -4277,7 +4222,7 @@
     </p:spTree>
     <p:extLst>
       <p:ext uri="{BB962C8B-B14F-4D97-AF65-F5344CB8AC3E}">
-        <p14:creationId xmlns:p14="http://schemas.microsoft.com/office/powerpoint/2010/main" val="3105459176"/>
+        <p14:creationId xmlns:p14="http://schemas.microsoft.com/office/powerpoint/2010/main" val="3238204249"/>
       </p:ext>
     </p:extLst>
   </p:cSld>
@@ -4287,7 +4232,7 @@
 </p:sld>
 </file>
 
-<file path=ppt/slides/slide17.xml><?xml version="1.0" encoding="utf-8"?>
+<file path=ppt/slides/slide16.xml><?xml version="1.0" encoding="utf-8"?>
 <p:sld xmlns:a="http://schemas.openxmlformats.org/drawingml/2006/main" xmlns:r="http://schemas.openxmlformats.org/officeDocument/2006/relationships" xmlns:p="http://schemas.openxmlformats.org/presentationml/2006/main">
   <p:cSld>
     <p:spTree>
@@ -4337,7 +4282,174 @@
     </p:spTree>
     <p:extLst>
       <p:ext uri="{BB962C8B-B14F-4D97-AF65-F5344CB8AC3E}">
-        <p14:creationId xmlns:p14="http://schemas.microsoft.com/office/powerpoint/2010/main" val="2744680199"/>
+        <p14:creationId xmlns:p14="http://schemas.microsoft.com/office/powerpoint/2010/main" val="195671147"/>
+      </p:ext>
+    </p:extLst>
+  </p:cSld>
+  <p:clrMapOvr>
+    <a:masterClrMapping/>
+  </p:clrMapOvr>
+</p:sld>
+</file>
+
+<file path=ppt/slides/slide17.xml><?xml version="1.0" encoding="utf-8"?>
+<p:sld xmlns:a="http://schemas.openxmlformats.org/drawingml/2006/main" xmlns:r="http://schemas.openxmlformats.org/officeDocument/2006/relationships" xmlns:p="http://schemas.openxmlformats.org/presentationml/2006/main">
+  <p:cSld>
+    <p:spTree>
+      <p:nvGrpSpPr>
+        <p:cNvPr id="1" name=""/>
+        <p:cNvGrpSpPr/>
+        <p:nvPr/>
+      </p:nvGrpSpPr>
+      <p:grpSpPr>
+        <a:xfrm>
+          <a:off x="0" y="0"/>
+          <a:ext cx="0" cy="0"/>
+          <a:chOff x="0" y="0"/>
+          <a:chExt cx="0" cy="0"/>
+        </a:xfrm>
+      </p:grpSpPr>
+      <p:sp>
+        <p:nvSpPr>
+          <p:cNvPr id="2" name="Title 1">
+            <a:extLst>
+              <a:ext uri="{FF2B5EF4-FFF2-40B4-BE49-F238E27FC236}">
+                <a16:creationId xmlns:a16="http://schemas.microsoft.com/office/drawing/2014/main" id="{6BB10344-B3D4-CB49-B945-883ED6C6FE27}"/>
+              </a:ext>
+            </a:extLst>
+          </p:cNvPr>
+          <p:cNvSpPr>
+            <a:spLocks noGrp="1"/>
+          </p:cNvSpPr>
+          <p:nvPr>
+            <p:ph type="title"/>
+          </p:nvPr>
+        </p:nvSpPr>
+        <p:spPr/>
+        <p:txBody>
+          <a:bodyPr>
+            <a:normAutofit fontScale="90000"/>
+          </a:bodyPr>
+          <a:lstStyle/>
+          <a:p>
+            <a:r>
+              <a:rPr lang="en-US" dirty="0"/>
+              <a:t>Gordon’s example 20 (in Gordon’s book)</a:t>
+            </a:r>
+          </a:p>
+        </p:txBody>
+      </p:sp>
+      <p:pic>
+        <p:nvPicPr>
+          <p:cNvPr id="5" name="Picture 4" descr="A picture containing text, device&#10;&#10;Description automatically generated">
+            <a:extLst>
+              <a:ext uri="{FF2B5EF4-FFF2-40B4-BE49-F238E27FC236}">
+                <a16:creationId xmlns:a16="http://schemas.microsoft.com/office/drawing/2014/main" id="{9F1D9A39-DF7D-DA47-82D6-6C1D618D7F29}"/>
+              </a:ext>
+            </a:extLst>
+          </p:cNvPr>
+          <p:cNvPicPr>
+            <a:picLocks noChangeAspect="1"/>
+          </p:cNvPicPr>
+          <p:nvPr/>
+        </p:nvPicPr>
+        <p:blipFill>
+          <a:blip r:embed="rId2"/>
+          <a:stretch>
+            <a:fillRect/>
+          </a:stretch>
+        </p:blipFill>
+        <p:spPr>
+          <a:xfrm>
+            <a:off x="838200" y="1250950"/>
+            <a:ext cx="8153400" cy="4356100"/>
+          </a:xfrm>
+          <a:prstGeom prst="rect">
+            <a:avLst/>
+          </a:prstGeom>
+        </p:spPr>
+      </p:pic>
+      <p:sp>
+        <p:nvSpPr>
+          <p:cNvPr id="6" name="TextBox 5">
+            <a:extLst>
+              <a:ext uri="{FF2B5EF4-FFF2-40B4-BE49-F238E27FC236}">
+                <a16:creationId xmlns:a16="http://schemas.microsoft.com/office/drawing/2014/main" id="{D8BA55D9-EFBE-2149-B2F6-33662FFC594C}"/>
+              </a:ext>
+            </a:extLst>
+          </p:cNvPr>
+          <p:cNvSpPr txBox="1"/>
+          <p:nvPr/>
+        </p:nvSpPr>
+        <p:spPr>
+          <a:xfrm flipH="1">
+            <a:off x="8991600" y="1722120"/>
+            <a:ext cx="2362200" cy="2585323"/>
+          </a:xfrm>
+          <a:prstGeom prst="rect">
+            <a:avLst/>
+          </a:prstGeom>
+          <a:noFill/>
+        </p:spPr>
+        <p:txBody>
+          <a:bodyPr wrap="square" rtlCol="0">
+            <a:spAutoFit/>
+          </a:bodyPr>
+          <a:lstStyle/>
+          <a:p>
+            <a:r>
+              <a:rPr lang="en-US" dirty="0"/>
+              <a:t>Here is an</a:t>
+            </a:r>
+          </a:p>
+          <a:p>
+            <a:r>
+              <a:rPr lang="en-US" dirty="0"/>
+              <a:t>“annotated </a:t>
+            </a:r>
+          </a:p>
+          <a:p>
+            <a:r>
+              <a:rPr lang="en-US" dirty="0"/>
+              <a:t>Program”</a:t>
+            </a:r>
+          </a:p>
+          <a:p>
+            <a:endParaRPr lang="en-US" dirty="0"/>
+          </a:p>
+          <a:p>
+            <a:r>
+              <a:rPr lang="en-US" dirty="0"/>
+              <a:t>The question is</a:t>
+            </a:r>
+          </a:p>
+          <a:p>
+            <a:endParaRPr lang="en-US" dirty="0"/>
+          </a:p>
+          <a:p>
+            <a:r>
+              <a:rPr lang="en-US" dirty="0"/>
+              <a:t>Does the</a:t>
+            </a:r>
+          </a:p>
+          <a:p>
+            <a:r>
+              <a:rPr lang="en-US" dirty="0"/>
+              <a:t>“ensures”</a:t>
+            </a:r>
+          </a:p>
+          <a:p>
+            <a:r>
+              <a:rPr lang="en-US" dirty="0"/>
+              <a:t>Clause hold?</a:t>
+            </a:r>
+          </a:p>
+        </p:txBody>
+      </p:sp>
+    </p:spTree>
+    <p:extLst>
+      <p:ext uri="{BB962C8B-B14F-4D97-AF65-F5344CB8AC3E}">
+        <p14:creationId xmlns:p14="http://schemas.microsoft.com/office/powerpoint/2010/main" val="2989148687"/>
       </p:ext>
     </p:extLst>
   </p:cSld>
@@ -4364,40 +4476,54 @@
           <a:chExt cx="0" cy="0"/>
         </a:xfrm>
       </p:grpSpPr>
-      <p:pic>
-        <p:nvPicPr>
-          <p:cNvPr id="3" name="Picture 2" descr="A picture containing text, device&#10;&#10;Description automatically generated">
+      <p:sp>
+        <p:nvSpPr>
+          <p:cNvPr id="2" name="Title 1">
             <a:extLst>
               <a:ext uri="{FF2B5EF4-FFF2-40B4-BE49-F238E27FC236}">
-                <a16:creationId xmlns:a16="http://schemas.microsoft.com/office/drawing/2014/main" id="{28CAD340-981E-EE49-B74A-C2A025448281}"/>
+                <a16:creationId xmlns:a16="http://schemas.microsoft.com/office/drawing/2014/main" id="{1046CA07-6E89-A944-BED1-D08064B9DED5}"/>
               </a:ext>
             </a:extLst>
           </p:cNvPr>
-          <p:cNvPicPr>
-            <a:picLocks noChangeAspect="1"/>
-          </p:cNvPicPr>
-          <p:nvPr/>
-        </p:nvPicPr>
-        <p:blipFill>
-          <a:blip r:embed="rId2"/>
-          <a:stretch>
-            <a:fillRect/>
-          </a:stretch>
-        </p:blipFill>
-        <p:spPr>
-          <a:xfrm>
-            <a:off x="2019300" y="1250950"/>
-            <a:ext cx="8153400" cy="4356100"/>
-          </a:xfrm>
-          <a:prstGeom prst="rect">
-            <a:avLst/>
-          </a:prstGeom>
-        </p:spPr>
-      </p:pic>
+          <p:cNvSpPr>
+            <a:spLocks noGrp="1"/>
+          </p:cNvSpPr>
+          <p:nvPr>
+            <p:ph type="title"/>
+          </p:nvPr>
+        </p:nvSpPr>
+        <p:spPr>
+          <a:xfrm>
+            <a:off x="0" y="0"/>
+            <a:ext cx="4358640" cy="315911"/>
+          </a:xfrm>
+        </p:spPr>
+        <p:txBody>
+          <a:bodyPr>
+            <a:normAutofit/>
+          </a:bodyPr>
+          <a:lstStyle/>
+          <a:p>
+            <a:r>
+              <a:rPr lang="en-US" sz="1600" dirty="0">
+                <a:solidFill>
+                  <a:srgbClr val="0432FF"/>
+                </a:solidFill>
+              </a:rPr>
+              <a:t>Gordon’s example done by hand</a:t>
+            </a:r>
+            <a:endParaRPr lang="en-US" sz="1600" dirty="0">
+              <a:solidFill>
+                <a:srgbClr val="FF0000"/>
+              </a:solidFill>
+            </a:endParaRPr>
+          </a:p>
+        </p:txBody>
+      </p:sp>
     </p:spTree>
     <p:extLst>
       <p:ext uri="{BB962C8B-B14F-4D97-AF65-F5344CB8AC3E}">
-        <p14:creationId xmlns:p14="http://schemas.microsoft.com/office/powerpoint/2010/main" val="2212575813"/>
+        <p14:creationId xmlns:p14="http://schemas.microsoft.com/office/powerpoint/2010/main" val="3053459250"/>
       </p:ext>
     </p:extLst>
   </p:cSld>
@@ -4429,7 +4555,7 @@
           <p:cNvPr id="2" name="Title 1">
             <a:extLst>
               <a:ext uri="{FF2B5EF4-FFF2-40B4-BE49-F238E27FC236}">
-                <a16:creationId xmlns:a16="http://schemas.microsoft.com/office/drawing/2014/main" id="{49400C88-9A55-5D4F-AC0E-6E22F3E1F930}"/>
+                <a16:creationId xmlns:a16="http://schemas.microsoft.com/office/drawing/2014/main" id="{1046CA07-6E89-A944-BED1-D08064B9DED5}"/>
               </a:ext>
             </a:extLst>
           </p:cNvPr>
@@ -4440,74 +4566,98 @@
             <p:ph type="title"/>
           </p:nvPr>
         </p:nvSpPr>
-        <p:spPr/>
+        <p:spPr>
+          <a:xfrm>
+            <a:off x="0" y="0"/>
+            <a:ext cx="4358640" cy="315911"/>
+          </a:xfrm>
+        </p:spPr>
         <p:txBody>
           <a:bodyPr>
-            <a:normAutofit fontScale="90000"/>
+            <a:normAutofit/>
           </a:bodyPr>
           <a:lstStyle/>
           <a:p>
             <a:r>
-              <a:rPr lang="en-US" dirty="0"/>
-              <a:t>This finishes the proof of the XOR-swapper</a:t>
-            </a:r>
-          </a:p>
-        </p:txBody>
-      </p:sp>
-      <p:sp>
-        <p:nvSpPr>
-          <p:cNvPr id="3" name="Content Placeholder 2">
+              <a:rPr lang="en-US" sz="1600" dirty="0">
+                <a:solidFill>
+                  <a:srgbClr val="0432FF"/>
+                </a:solidFill>
+              </a:rPr>
+              <a:t>Gordon’s g20 example and its </a:t>
+            </a:r>
+            <a:r>
+              <a:rPr lang="en-US" sz="1600" dirty="0">
+                <a:solidFill>
+                  <a:srgbClr val="FF0000"/>
+                </a:solidFill>
+              </a:rPr>
+              <a:t>“LI walk-back”</a:t>
+            </a:r>
+          </a:p>
+        </p:txBody>
+      </p:sp>
+      <p:pic>
+        <p:nvPicPr>
+          <p:cNvPr id="5" name="Picture 4" descr="Diagram, schematic&#10;&#10;Description automatically generated">
             <a:extLst>
               <a:ext uri="{FF2B5EF4-FFF2-40B4-BE49-F238E27FC236}">
-                <a16:creationId xmlns:a16="http://schemas.microsoft.com/office/drawing/2014/main" id="{AC14E5A9-2BD2-C240-84F0-0BE499C3764A}"/>
+                <a16:creationId xmlns:a16="http://schemas.microsoft.com/office/drawing/2014/main" id="{3DDEC560-3E5E-194A-B96D-FC256827B214}"/>
               </a:ext>
             </a:extLst>
           </p:cNvPr>
-          <p:cNvSpPr>
-            <a:spLocks noGrp="1"/>
-          </p:cNvSpPr>
-          <p:nvPr>
-            <p:ph idx="1"/>
-          </p:nvPr>
-        </p:nvSpPr>
-        <p:spPr/>
-        <p:txBody>
-          <a:bodyPr/>
+          <p:cNvPicPr>
+            <a:picLocks noChangeAspect="1"/>
+          </p:cNvPicPr>
+          <p:nvPr/>
+        </p:nvPicPr>
+        <p:blipFill>
+          <a:blip r:embed="rId2"/>
+          <a:stretch>
+            <a:fillRect/>
+          </a:stretch>
+        </p:blipFill>
+        <p:spPr>
+          <a:xfrm>
+            <a:off x="2399808" y="315910"/>
+            <a:ext cx="7767465" cy="6542089"/>
+          </a:xfrm>
+          <a:prstGeom prst="rect">
+            <a:avLst/>
+          </a:prstGeom>
+        </p:spPr>
+      </p:pic>
+      <p:sp>
+        <p:nvSpPr>
+          <p:cNvPr id="3" name="TextBox 2">
+            <a:extLst>
+              <a:ext uri="{FF2B5EF4-FFF2-40B4-BE49-F238E27FC236}">
+                <a16:creationId xmlns:a16="http://schemas.microsoft.com/office/drawing/2014/main" id="{D20BC783-4E16-F34D-AA48-A026ECCC1E7B}"/>
+              </a:ext>
+            </a:extLst>
+          </p:cNvPr>
+          <p:cNvSpPr txBox="1"/>
+          <p:nvPr/>
+        </p:nvSpPr>
+        <p:spPr>
+          <a:xfrm>
+            <a:off x="9078686" y="1619794"/>
+            <a:ext cx="2321469" cy="369332"/>
+          </a:xfrm>
+          <a:prstGeom prst="rect">
+            <a:avLst/>
+          </a:prstGeom>
+          <a:noFill/>
+        </p:spPr>
+        <p:txBody>
+          <a:bodyPr wrap="none" rtlCol="0">
+            <a:spAutoFit/>
+          </a:bodyPr>
           <a:lstStyle/>
           <a:p>
             <a:r>
               <a:rPr lang="en-US" dirty="0"/>
-              <a:t>We now return to the Gordon example g20</a:t>
-            </a:r>
-          </a:p>
-          <a:p>
-            <a:endParaRPr lang="en-US" dirty="0"/>
-          </a:p>
-          <a:p>
-            <a:r>
-              <a:rPr lang="en-US" dirty="0"/>
-              <a:t>See my hand-derivation of the “LI march backwards!!”</a:t>
-            </a:r>
-          </a:p>
-          <a:p>
-            <a:endParaRPr lang="en-US" dirty="0"/>
-          </a:p>
-          <a:p>
-            <a:pPr lvl="1"/>
-            <a:r>
-              <a:rPr lang="en-US" dirty="0"/>
-              <a:t>This is how Floyd originated his ideas</a:t>
-            </a:r>
-          </a:p>
-          <a:p>
-            <a:pPr lvl="1"/>
-            <a:endParaRPr lang="en-US" dirty="0"/>
-          </a:p>
-          <a:p>
-            <a:pPr lvl="1"/>
-            <a:r>
-              <a:rPr lang="en-US" dirty="0"/>
-              <a:t>Hoare adapted the ideas to the form of “program logic"</a:t>
+              <a:t>S = x*y at the output</a:t>
             </a:r>
           </a:p>
         </p:txBody>
@@ -4515,7 +4665,7 @@
     </p:spTree>
     <p:extLst>
       <p:ext uri="{BB962C8B-B14F-4D97-AF65-F5344CB8AC3E}">
-        <p14:creationId xmlns:p14="http://schemas.microsoft.com/office/powerpoint/2010/main" val="1985879454"/>
+        <p14:creationId xmlns:p14="http://schemas.microsoft.com/office/powerpoint/2010/main" val="608027819"/>
       </p:ext>
     </p:extLst>
   </p:cSld>
@@ -4547,7 +4697,7 @@
           <p:cNvPr id="2" name="Title 1">
             <a:extLst>
               <a:ext uri="{FF2B5EF4-FFF2-40B4-BE49-F238E27FC236}">
-                <a16:creationId xmlns:a16="http://schemas.microsoft.com/office/drawing/2014/main" id="{5214BD27-BDF5-664D-9D83-54A21FCDACF0}"/>
+                <a16:creationId xmlns:a16="http://schemas.microsoft.com/office/drawing/2014/main" id="{2E37DBE7-FAAC-5149-A56C-EAA81D36954A}"/>
               </a:ext>
             </a:extLst>
           </p:cNvPr>
@@ -4558,12 +4708,7 @@
             <p:ph type="title"/>
           </p:nvPr>
         </p:nvSpPr>
-        <p:spPr>
-          <a:xfrm>
-            <a:off x="838200" y="365126"/>
-            <a:ext cx="11205754" cy="618286"/>
-          </a:xfrm>
-        </p:spPr>
+        <p:spPr/>
         <p:txBody>
           <a:bodyPr>
             <a:normAutofit fontScale="90000"/>
@@ -4572,22 +4717,17 @@
           <a:p>
             <a:r>
               <a:rPr lang="en-US" dirty="0"/>
-              <a:t>Let’s go through all the details of a simple </a:t>
-            </a:r>
-            <a:r>
-              <a:rPr lang="en-US" dirty="0" err="1"/>
-              <a:t>pgm</a:t>
-            </a:r>
-            <a:endParaRPr lang="en-US" dirty="0"/>
-          </a:p>
-        </p:txBody>
-      </p:sp>
-      <p:sp>
-        <p:nvSpPr>
-          <p:cNvPr id="5" name="Content Placeholder 4">
+              <a:t>History, Motivations</a:t>
+            </a:r>
+          </a:p>
+        </p:txBody>
+      </p:sp>
+      <p:sp>
+        <p:nvSpPr>
+          <p:cNvPr id="3" name="Content Placeholder 2">
             <a:extLst>
               <a:ext uri="{FF2B5EF4-FFF2-40B4-BE49-F238E27FC236}">
-                <a16:creationId xmlns:a16="http://schemas.microsoft.com/office/drawing/2014/main" id="{C889DA17-52DA-2B4D-BC3F-5CFA3FFFEF8D}"/>
+                <a16:creationId xmlns:a16="http://schemas.microsoft.com/office/drawing/2014/main" id="{CA293F9B-A00E-294D-BAD7-A121EF390C59}"/>
               </a:ext>
             </a:extLst>
           </p:cNvPr>
@@ -4598,72 +4738,80 @@
             <p:ph idx="1"/>
           </p:nvPr>
         </p:nvSpPr>
-        <p:spPr/>
-        <p:txBody>
-          <a:bodyPr/>
+        <p:spPr>
+          <a:xfrm>
+            <a:off x="838200" y="1825624"/>
+            <a:ext cx="10515600" cy="4361816"/>
+          </a:xfrm>
+        </p:spPr>
+        <p:txBody>
+          <a:bodyPr>
+            <a:normAutofit/>
+          </a:bodyPr>
           <a:lstStyle/>
           <a:p>
-            <a:r>
-              <a:rPr lang="en-US" dirty="0"/>
-              <a:t>We will fully analyze a program that multiplies two numbers through repeated addition</a:t>
-            </a:r>
-          </a:p>
-          <a:p>
             <a:endParaRPr lang="en-US" dirty="0"/>
           </a:p>
           <a:p>
             <a:r>
               <a:rPr lang="en-US" dirty="0"/>
-              <a:t>We will illustrate the ideas of </a:t>
+              <a:t>Historically the first verification approach considered</a:t>
+            </a:r>
+          </a:p>
+          <a:p>
+            <a:r>
+              <a:rPr lang="en-US" dirty="0"/>
+              <a:t>Recently </a:t>
+            </a:r>
+            <a:r>
+              <a:rPr lang="en-US" dirty="0" err="1"/>
+              <a:t>TimSort</a:t>
+            </a:r>
+            <a:r>
+              <a:rPr lang="en-US" dirty="0"/>
+              <a:t> was found to be buggy and upgraded</a:t>
             </a:r>
           </a:p>
           <a:p>
             <a:pPr lvl="1"/>
             <a:r>
               <a:rPr lang="en-US" dirty="0"/>
-              <a:t>Weakest precondition of a command with respect to a postcondition</a:t>
+              <a:t>See Wikipedia article on the </a:t>
+            </a:r>
+            <a:r>
+              <a:rPr lang="en-US" dirty="0" err="1"/>
+              <a:t>TimSort</a:t>
+            </a:r>
+            <a:r>
+              <a:rPr lang="en-US" dirty="0"/>
+              <a:t> bug</a:t>
             </a:r>
           </a:p>
           <a:p>
             <a:pPr lvl="1"/>
             <a:r>
               <a:rPr lang="en-US" dirty="0"/>
-              <a:t>Loop invariant</a:t>
-            </a:r>
-          </a:p>
-          <a:p>
-            <a:pPr lvl="1"/>
-            <a:r>
-              <a:rPr lang="en-US" dirty="0"/>
-              <a:t>Termination (“measure”) function</a:t>
-            </a:r>
-          </a:p>
-          <a:p>
-            <a:r>
-              <a:rPr lang="en-US" dirty="0"/>
-              <a:t>We will take examples from Gordon’s book and run it under </a:t>
-            </a:r>
-            <a:r>
-              <a:rPr lang="en-US" dirty="0" err="1"/>
-              <a:t>Dafny</a:t>
-            </a:r>
-            <a:r>
-              <a:rPr lang="en-US" dirty="0"/>
-              <a:t> – our first candidate is g20a.dfy and the ”real” code is “g20b.dfy” with all details. g20a.dfy will keep us busy!</a:t>
-            </a:r>
-          </a:p>
-          <a:p>
-            <a:endParaRPr lang="en-US" dirty="0"/>
-          </a:p>
-          <a:p>
-            <a:endParaRPr lang="en-US" dirty="0"/>
+              <a:t>Proved by people using the theorem prover called Key</a:t>
+            </a:r>
+          </a:p>
+          <a:p>
+            <a:r>
+              <a:rPr lang="en-US" dirty="0"/>
+              <a:t>A good intuition about how Hoare Logic verifiers work is important </a:t>
+            </a:r>
+          </a:p>
+          <a:p>
+            <a:r>
+              <a:rPr lang="en-US" dirty="0"/>
+              <a:t>Will study a Lisp-based verifier in Gordon’s book meanwhile</a:t>
+            </a:r>
           </a:p>
         </p:txBody>
       </p:sp>
     </p:spTree>
     <p:extLst>
       <p:ext uri="{BB962C8B-B14F-4D97-AF65-F5344CB8AC3E}">
-        <p14:creationId xmlns:p14="http://schemas.microsoft.com/office/powerpoint/2010/main" val="2845488053"/>
+        <p14:creationId xmlns:p14="http://schemas.microsoft.com/office/powerpoint/2010/main" val="864624765"/>
       </p:ext>
     </p:extLst>
   </p:cSld>
@@ -4712,18 +4860,77 @@
         </p:blipFill>
         <p:spPr>
           <a:xfrm>
-            <a:off x="2019300" y="1250950"/>
-            <a:ext cx="8153400" cy="4356100"/>
+            <a:off x="220980" y="3947362"/>
+            <a:ext cx="5219700" cy="2788718"/>
           </a:xfrm>
           <a:prstGeom prst="rect">
             <a:avLst/>
           </a:prstGeom>
         </p:spPr>
       </p:pic>
+      <p:sp>
+        <p:nvSpPr>
+          <p:cNvPr id="2" name="TextBox 1">
+            <a:extLst>
+              <a:ext uri="{FF2B5EF4-FFF2-40B4-BE49-F238E27FC236}">
+                <a16:creationId xmlns:a16="http://schemas.microsoft.com/office/drawing/2014/main" id="{D4C2A7A0-5B2B-6644-80D6-363A0C19B786}"/>
+              </a:ext>
+            </a:extLst>
+          </p:cNvPr>
+          <p:cNvSpPr txBox="1"/>
+          <p:nvPr/>
+        </p:nvSpPr>
+        <p:spPr>
+          <a:xfrm flipH="1">
+            <a:off x="220980" y="346376"/>
+            <a:ext cx="11330940" cy="2308324"/>
+          </a:xfrm>
+          <a:prstGeom prst="rect">
+            <a:avLst/>
+          </a:prstGeom>
+          <a:noFill/>
+        </p:spPr>
+        <p:txBody>
+          <a:bodyPr wrap="square" rtlCol="0">
+            <a:spAutoFit/>
+          </a:bodyPr>
+          <a:lstStyle/>
+          <a:p>
+            <a:r>
+              <a:rPr lang="en-US" sz="2400" dirty="0"/>
+              <a:t>In a Hoare-logic proving approach, one annotates the program</a:t>
+            </a:r>
+          </a:p>
+          <a:p>
+            <a:r>
+              <a:rPr lang="en-US" sz="2400" dirty="0"/>
+              <a:t>at the “loop head” with a LOOP INVARIANT</a:t>
+            </a:r>
+          </a:p>
+          <a:p>
+            <a:endParaRPr lang="en-US" sz="2400" dirty="0"/>
+          </a:p>
+          <a:p>
+            <a:r>
+              <a:rPr lang="en-US" sz="2400" dirty="0"/>
+              <a:t>It must be true whenever the execution reaches that point</a:t>
+            </a:r>
+          </a:p>
+          <a:p>
+            <a:endParaRPr lang="en-US" sz="2400" dirty="0"/>
+          </a:p>
+          <a:p>
+            <a:r>
+              <a:rPr lang="en-US" sz="2400" dirty="0"/>
+              <a:t>What is it? </a:t>
+            </a:r>
+          </a:p>
+        </p:txBody>
+      </p:sp>
     </p:spTree>
     <p:extLst>
       <p:ext uri="{BB962C8B-B14F-4D97-AF65-F5344CB8AC3E}">
-        <p14:creationId xmlns:p14="http://schemas.microsoft.com/office/powerpoint/2010/main" val="4167921593"/>
+        <p14:creationId xmlns:p14="http://schemas.microsoft.com/office/powerpoint/2010/main" val="1462843719"/>
       </p:ext>
     </p:extLst>
   </p:cSld>
@@ -4734,171 +4941,6 @@
 </file>
 
 <file path=ppt/slides/slide21.xml><?xml version="1.0" encoding="utf-8"?>
-<p:sld xmlns:a="http://schemas.openxmlformats.org/drawingml/2006/main" xmlns:r="http://schemas.openxmlformats.org/officeDocument/2006/relationships" xmlns:p="http://schemas.openxmlformats.org/presentationml/2006/main">
-  <p:cSld>
-    <p:spTree>
-      <p:nvGrpSpPr>
-        <p:cNvPr id="1" name=""/>
-        <p:cNvGrpSpPr/>
-        <p:nvPr/>
-      </p:nvGrpSpPr>
-      <p:grpSpPr>
-        <a:xfrm>
-          <a:off x="0" y="0"/>
-          <a:ext cx="0" cy="0"/>
-          <a:chOff x="0" y="0"/>
-          <a:chExt cx="0" cy="0"/>
-        </a:xfrm>
-      </p:grpSpPr>
-      <p:sp>
-        <p:nvSpPr>
-          <p:cNvPr id="2" name="Title 1">
-            <a:extLst>
-              <a:ext uri="{FF2B5EF4-FFF2-40B4-BE49-F238E27FC236}">
-                <a16:creationId xmlns:a16="http://schemas.microsoft.com/office/drawing/2014/main" id="{49400C88-9A55-5D4F-AC0E-6E22F3E1F930}"/>
-              </a:ext>
-            </a:extLst>
-          </p:cNvPr>
-          <p:cNvSpPr>
-            <a:spLocks noGrp="1"/>
-          </p:cNvSpPr>
-          <p:nvPr>
-            <p:ph type="title"/>
-          </p:nvPr>
-        </p:nvSpPr>
-        <p:spPr/>
-        <p:txBody>
-          <a:bodyPr>
-            <a:normAutofit fontScale="90000"/>
-          </a:bodyPr>
-          <a:lstStyle/>
-          <a:p>
-            <a:r>
-              <a:rPr lang="en-US" dirty="0"/>
-              <a:t>To confine to sequential </a:t>
-            </a:r>
-            <a:r>
-              <a:rPr lang="en-US" dirty="0" err="1"/>
-              <a:t>verif</a:t>
-            </a:r>
-            <a:r>
-              <a:rPr lang="en-US" dirty="0"/>
-              <a:t>, we need “LI”</a:t>
-            </a:r>
-          </a:p>
-        </p:txBody>
-      </p:sp>
-      <p:sp>
-        <p:nvSpPr>
-          <p:cNvPr id="3" name="Content Placeholder 2">
-            <a:extLst>
-              <a:ext uri="{FF2B5EF4-FFF2-40B4-BE49-F238E27FC236}">
-                <a16:creationId xmlns:a16="http://schemas.microsoft.com/office/drawing/2014/main" id="{AC14E5A9-2BD2-C240-84F0-0BE499C3764A}"/>
-              </a:ext>
-            </a:extLst>
-          </p:cNvPr>
-          <p:cNvSpPr>
-            <a:spLocks noGrp="1"/>
-          </p:cNvSpPr>
-          <p:nvPr>
-            <p:ph idx="1"/>
-          </p:nvPr>
-        </p:nvSpPr>
-        <p:spPr/>
-        <p:txBody>
-          <a:bodyPr/>
-          <a:lstStyle/>
-          <a:p>
-            <a:r>
-              <a:rPr lang="en-US" dirty="0"/>
-              <a:t>We (users) have to come up with an assertion to place at the loop head, called Loop Invariant, or “LI”</a:t>
-            </a:r>
-          </a:p>
-          <a:p>
-            <a:pPr lvl="1"/>
-            <a:r>
-              <a:rPr lang="en-US" dirty="0"/>
-              <a:t>( memory aid : those who said verification was easy said a LI  </a:t>
-            </a:r>
-            <a:r>
-              <a:rPr lang="en-US" dirty="0">
-                <a:sym typeface="Wingdings" pitchFamily="2" charset="2"/>
-              </a:rPr>
-              <a:t> )</a:t>
-            </a:r>
-          </a:p>
-          <a:p>
-            <a:pPr lvl="1"/>
-            <a:endParaRPr lang="en-US" dirty="0">
-              <a:sym typeface="Wingdings" pitchFamily="2" charset="2"/>
-            </a:endParaRPr>
-          </a:p>
-          <a:p>
-            <a:r>
-              <a:rPr lang="en-US" dirty="0">
-                <a:sym typeface="Wingdings" pitchFamily="2" charset="2"/>
-              </a:rPr>
-              <a:t>This is such a general statement that must </a:t>
-            </a:r>
-          </a:p>
-          <a:p>
-            <a:pPr lvl="1"/>
-            <a:r>
-              <a:rPr lang="en-US" dirty="0">
-                <a:sym typeface="Wingdings" pitchFamily="2" charset="2"/>
-              </a:rPr>
-              <a:t>Be true when you hit the loop head the first time</a:t>
-            </a:r>
-          </a:p>
-          <a:p>
-            <a:pPr lvl="1"/>
-            <a:r>
-              <a:rPr lang="en-US" dirty="0">
-                <a:sym typeface="Wingdings" pitchFamily="2" charset="2"/>
-              </a:rPr>
-              <a:t>Must stay true every time you hit the loop head</a:t>
-            </a:r>
-          </a:p>
-          <a:p>
-            <a:pPr lvl="1"/>
-            <a:r>
-              <a:rPr lang="en-US" dirty="0">
-                <a:sym typeface="Wingdings" pitchFamily="2" charset="2"/>
-              </a:rPr>
-              <a:t>Even the last time (when about to exit) the LI must be true!</a:t>
-            </a:r>
-          </a:p>
-          <a:p>
-            <a:pPr lvl="1"/>
-            <a:endParaRPr lang="en-US" dirty="0">
-              <a:sym typeface="Wingdings" pitchFamily="2" charset="2"/>
-            </a:endParaRPr>
-          </a:p>
-          <a:p>
-            <a:r>
-              <a:rPr lang="en-US" dirty="0">
-                <a:sym typeface="Wingdings" pitchFamily="2" charset="2"/>
-              </a:rPr>
-              <a:t>Come up with such a  LI </a:t>
-            </a:r>
-            <a:endParaRPr lang="en-US" dirty="0"/>
-          </a:p>
-        </p:txBody>
-      </p:sp>
-    </p:spTree>
-    <p:extLst>
-      <p:ext uri="{BB962C8B-B14F-4D97-AF65-F5344CB8AC3E}">
-        <p14:creationId xmlns:p14="http://schemas.microsoft.com/office/powerpoint/2010/main" val="3567285184"/>
-      </p:ext>
-    </p:extLst>
-  </p:cSld>
-  <p:clrMapOvr>
-    <a:masterClrMapping/>
-  </p:clrMapOvr>
-</p:sld>
-</file>
-
-<file path=ppt/slides/slide22.xml><?xml version="1.0" encoding="utf-8"?>
 <p:sld xmlns:a="http://schemas.openxmlformats.org/drawingml/2006/main" xmlns:r="http://schemas.openxmlformats.org/officeDocument/2006/relationships" xmlns:p="http://schemas.openxmlformats.org/presentationml/2006/main">
   <p:cSld>
     <p:spTree>
@@ -4959,8 +5001,8 @@
         </p:nvSpPr>
         <p:spPr>
           <a:xfrm flipH="1">
-            <a:off x="220980" y="0"/>
-            <a:ext cx="11330940" cy="3785652"/>
+            <a:off x="220980" y="346376"/>
+            <a:ext cx="11330940" cy="3416320"/>
           </a:xfrm>
           <a:prstGeom prst="rect">
             <a:avLst/>
@@ -4975,13 +5017,13 @@
           <a:p>
             <a:r>
               <a:rPr lang="en-US" sz="2400" dirty="0"/>
-              <a:t>What is a good Loop Invariant to place immediately after “while” and</a:t>
+              <a:t>In a Hoare-logic proving approach, one annotates the program</a:t>
             </a:r>
           </a:p>
           <a:p>
             <a:r>
               <a:rPr lang="en-US" sz="2400" dirty="0"/>
-              <a:t>Before the “{ “ ?? THINK OF IT THIS WAY! IMAGINE YOU’VE BEEN RUNNING THE CODE FOR A WHILE … take a snapshot using your camera, and characterize the variable values that you see at that point into a mathematical relationship! </a:t>
+              <a:t>at the “loop head” with a LOOP INVARIANT</a:t>
             </a:r>
           </a:p>
           <a:p>
@@ -4990,16 +5032,37 @@
           <a:p>
             <a:r>
               <a:rPr lang="en-US" sz="2400" dirty="0"/>
-              <a:t>Hint! Look at the final answer you have to deliver … this LI when specialized to the exit condition must be close enough (or actually imply) the post-condition!</a:t>
-            </a:r>
-          </a:p>
-          <a:p>
-            <a:endParaRPr lang="en-US" sz="2400" dirty="0"/>
+              <a:t>It must be true whenever the execution reaches that point</a:t>
+            </a:r>
           </a:p>
           <a:p>
             <a:r>
               <a:rPr lang="en-US" sz="2400" dirty="0"/>
-              <a:t>What is it for this program ??    Spend 5 mins!  Let the students independently type their LIs and discuss!</a:t>
+              <a:t>What is it?</a:t>
+            </a:r>
+          </a:p>
+          <a:p>
+            <a:r>
+              <a:rPr lang="en-US" sz="2400" dirty="0"/>
+              <a:t>The “remaining work” is X.  </a:t>
+            </a:r>
+          </a:p>
+          <a:p>
+            <a:r>
+              <a:rPr lang="en-US" sz="2400" dirty="0"/>
+              <a:t>Thus, S + X*y =  x*y</a:t>
+            </a:r>
+          </a:p>
+          <a:p>
+            <a:r>
+              <a:rPr lang="en-US" sz="2400" dirty="0"/>
+              <a:t>OR S = y * (x – X)</a:t>
+            </a:r>
+          </a:p>
+          <a:p>
+            <a:r>
+              <a:rPr lang="en-US" sz="2400" dirty="0"/>
+              <a:t> Then upon exit, S = y * x</a:t>
             </a:r>
           </a:p>
         </p:txBody>
@@ -5007,7 +5070,97 @@
     </p:spTree>
     <p:extLst>
       <p:ext uri="{BB962C8B-B14F-4D97-AF65-F5344CB8AC3E}">
-        <p14:creationId xmlns:p14="http://schemas.microsoft.com/office/powerpoint/2010/main" val="99501266"/>
+        <p14:creationId xmlns:p14="http://schemas.microsoft.com/office/powerpoint/2010/main" val="2374275268"/>
+      </p:ext>
+    </p:extLst>
+  </p:cSld>
+  <p:clrMapOvr>
+    <a:masterClrMapping/>
+  </p:clrMapOvr>
+</p:sld>
+</file>
+
+<file path=ppt/slides/slide22.xml><?xml version="1.0" encoding="utf-8"?>
+<p:sld xmlns:a="http://schemas.openxmlformats.org/drawingml/2006/main" xmlns:r="http://schemas.openxmlformats.org/officeDocument/2006/relationships" xmlns:p="http://schemas.openxmlformats.org/presentationml/2006/main">
+  <p:cSld>
+    <p:spTree>
+      <p:nvGrpSpPr>
+        <p:cNvPr id="1" name=""/>
+        <p:cNvGrpSpPr/>
+        <p:nvPr/>
+      </p:nvGrpSpPr>
+      <p:grpSpPr>
+        <a:xfrm>
+          <a:off x="0" y="0"/>
+          <a:ext cx="0" cy="0"/>
+          <a:chOff x="0" y="0"/>
+          <a:chExt cx="0" cy="0"/>
+        </a:xfrm>
+      </p:grpSpPr>
+      <p:pic>
+        <p:nvPicPr>
+          <p:cNvPr id="5" name="Picture 4" descr="Diagram&#10;&#10;Description automatically generated">
+            <a:extLst>
+              <a:ext uri="{FF2B5EF4-FFF2-40B4-BE49-F238E27FC236}">
+                <a16:creationId xmlns:a16="http://schemas.microsoft.com/office/drawing/2014/main" id="{4A6C3149-22C7-AB49-B0BD-FC2AE1F030E8}"/>
+              </a:ext>
+            </a:extLst>
+          </p:cNvPr>
+          <p:cNvPicPr>
+            <a:picLocks noChangeAspect="1"/>
+          </p:cNvPicPr>
+          <p:nvPr/>
+        </p:nvPicPr>
+        <p:blipFill>
+          <a:blip r:embed="rId2"/>
+          <a:stretch>
+            <a:fillRect/>
+          </a:stretch>
+        </p:blipFill>
+        <p:spPr>
+          <a:xfrm>
+            <a:off x="3203944" y="0"/>
+            <a:ext cx="5784112" cy="6858000"/>
+          </a:xfrm>
+          <a:prstGeom prst="rect">
+            <a:avLst/>
+          </a:prstGeom>
+        </p:spPr>
+      </p:pic>
+      <p:pic>
+        <p:nvPicPr>
+          <p:cNvPr id="9" name="Picture 8" descr="Graphical user interface, text, application&#10;&#10;Description automatically generated with medium confidence">
+            <a:extLst>
+              <a:ext uri="{FF2B5EF4-FFF2-40B4-BE49-F238E27FC236}">
+                <a16:creationId xmlns:a16="http://schemas.microsoft.com/office/drawing/2014/main" id="{355E9F4D-3E3F-EF4A-8F88-2F7ECB4DA73F}"/>
+              </a:ext>
+            </a:extLst>
+          </p:cNvPr>
+          <p:cNvPicPr>
+            <a:picLocks noChangeAspect="1"/>
+          </p:cNvPicPr>
+          <p:nvPr/>
+        </p:nvPicPr>
+        <p:blipFill>
+          <a:blip r:embed="rId3"/>
+          <a:stretch>
+            <a:fillRect/>
+          </a:stretch>
+        </p:blipFill>
+        <p:spPr>
+          <a:xfrm>
+            <a:off x="2692037" y="0"/>
+            <a:ext cx="6477000" cy="2057400"/>
+          </a:xfrm>
+          <a:prstGeom prst="rect">
+            <a:avLst/>
+          </a:prstGeom>
+        </p:spPr>
+      </p:pic>
+    </p:spTree>
+    <p:extLst>
+      <p:ext uri="{BB962C8B-B14F-4D97-AF65-F5344CB8AC3E}">
+        <p14:creationId xmlns:p14="http://schemas.microsoft.com/office/powerpoint/2010/main" val="3154618417"/>
       </p:ext>
     </p:extLst>
   </p:cSld>
@@ -5036,10 +5189,10 @@
       </p:grpSpPr>
       <p:pic>
         <p:nvPicPr>
-          <p:cNvPr id="3" name="Picture 2" descr="A picture containing text, device&#10;&#10;Description automatically generated">
+          <p:cNvPr id="5" name="Picture 4" descr="Diagram&#10;&#10;Description automatically generated">
             <a:extLst>
               <a:ext uri="{FF2B5EF4-FFF2-40B4-BE49-F238E27FC236}">
-                <a16:creationId xmlns:a16="http://schemas.microsoft.com/office/drawing/2014/main" id="{FD469565-1AC8-1E4B-9050-F1E8B664071D}"/>
+                <a16:creationId xmlns:a16="http://schemas.microsoft.com/office/drawing/2014/main" id="{4A6C3149-22C7-AB49-B0BD-FC2AE1F030E8}"/>
               </a:ext>
             </a:extLst>
           </p:cNvPr>
@@ -5056,169 +5209,18 @@
         </p:blipFill>
         <p:spPr>
           <a:xfrm>
-            <a:off x="220980" y="3947362"/>
-            <a:ext cx="5219700" cy="2788718"/>
+            <a:off x="3203944" y="0"/>
+            <a:ext cx="5784112" cy="6858000"/>
           </a:xfrm>
           <a:prstGeom prst="rect">
             <a:avLst/>
           </a:prstGeom>
         </p:spPr>
       </p:pic>
-      <p:sp>
-        <p:nvSpPr>
-          <p:cNvPr id="2" name="TextBox 1">
-            <a:extLst>
-              <a:ext uri="{FF2B5EF4-FFF2-40B4-BE49-F238E27FC236}">
-                <a16:creationId xmlns:a16="http://schemas.microsoft.com/office/drawing/2014/main" id="{D4C2A7A0-5B2B-6644-80D6-363A0C19B786}"/>
-              </a:ext>
-            </a:extLst>
-          </p:cNvPr>
-          <p:cNvSpPr txBox="1"/>
-          <p:nvPr/>
-        </p:nvSpPr>
-        <p:spPr>
-          <a:xfrm flipH="1">
-            <a:off x="220980" y="0"/>
-            <a:ext cx="11330940" cy="3785652"/>
-          </a:xfrm>
-          <a:prstGeom prst="rect">
-            <a:avLst/>
-          </a:prstGeom>
-          <a:noFill/>
-        </p:spPr>
-        <p:txBody>
-          <a:bodyPr wrap="square" rtlCol="0">
-            <a:spAutoFit/>
-          </a:bodyPr>
-          <a:lstStyle/>
-          <a:p>
-            <a:r>
-              <a:rPr lang="en-US" sz="2400" dirty="0"/>
-              <a:t>What is a good Loop Invariant to place immediately after “while” and</a:t>
-            </a:r>
-          </a:p>
-          <a:p>
-            <a:r>
-              <a:rPr lang="en-US" sz="2400" dirty="0"/>
-              <a:t>Before the “{ “ ?? THINK OF IT THIS WAY! IMAGINE YOU’VE BEEN RUNNING THE CODE FOR A WHILE … take a snapshot using your camera, and characterize the variable values that you see at that point into a mathematical relationship! </a:t>
-            </a:r>
-          </a:p>
-          <a:p>
-            <a:endParaRPr lang="en-US" sz="2400" dirty="0"/>
-          </a:p>
-          <a:p>
-            <a:r>
-              <a:rPr lang="en-US" sz="2400" dirty="0"/>
-              <a:t>Hint! Look at the final answer you have to deliver … this LI when specialized to the exit condition must be close enough (or actually imply) the post-condition!</a:t>
-            </a:r>
-          </a:p>
-          <a:p>
-            <a:endParaRPr lang="en-US" sz="2400" dirty="0"/>
-          </a:p>
-          <a:p>
-            <a:r>
-              <a:rPr lang="en-US" sz="2400" dirty="0"/>
-              <a:t>What is it for this program ??    Spend 5 mins!  Let the students independently type their LIs and discuss!</a:t>
-            </a:r>
-          </a:p>
-        </p:txBody>
-      </p:sp>
-      <p:sp>
-        <p:nvSpPr>
-          <p:cNvPr id="4" name="TextBox 3">
-            <a:extLst>
-              <a:ext uri="{FF2B5EF4-FFF2-40B4-BE49-F238E27FC236}">
-                <a16:creationId xmlns:a16="http://schemas.microsoft.com/office/drawing/2014/main" id="{12C7231F-CDD2-CC40-A7C1-A1F6BC607714}"/>
-              </a:ext>
-            </a:extLst>
-          </p:cNvPr>
-          <p:cNvSpPr txBox="1"/>
-          <p:nvPr/>
-        </p:nvSpPr>
-        <p:spPr>
-          <a:xfrm>
-            <a:off x="6495728" y="3587395"/>
-            <a:ext cx="5056192" cy="2585323"/>
-          </a:xfrm>
-          <a:prstGeom prst="rect">
-            <a:avLst/>
-          </a:prstGeom>
-          <a:noFill/>
-        </p:spPr>
-        <p:txBody>
-          <a:bodyPr wrap="none" rtlCol="0">
-            <a:spAutoFit/>
-          </a:bodyPr>
-          <a:lstStyle/>
-          <a:p>
-            <a:r>
-              <a:rPr lang="en-US" dirty="0"/>
-              <a:t>Ask yourselves </a:t>
-            </a:r>
-          </a:p>
-          <a:p>
-            <a:pPr marL="285750" indent="-285750">
-              <a:buFont typeface="Arial" panose="020B0604020202020204" pitchFamily="34" charset="0"/>
-              <a:buChar char="•"/>
-            </a:pPr>
-            <a:r>
-              <a:rPr lang="en-US" dirty="0"/>
-              <a:t>How much of the S has been computed?</a:t>
-            </a:r>
-          </a:p>
-          <a:p>
-            <a:pPr marL="285750" indent="-285750">
-              <a:buFont typeface="Arial" panose="020B0604020202020204" pitchFamily="34" charset="0"/>
-              <a:buChar char="•"/>
-            </a:pPr>
-            <a:r>
-              <a:rPr lang="en-US" dirty="0"/>
-              <a:t>What remains to be computed?</a:t>
-            </a:r>
-          </a:p>
-          <a:p>
-            <a:pPr marL="285750" indent="-285750">
-              <a:buFont typeface="Arial" panose="020B0604020202020204" pitchFamily="34" charset="0"/>
-              <a:buChar char="•"/>
-            </a:pPr>
-            <a:r>
-              <a:rPr lang="en-US" dirty="0"/>
-              <a:t>How does the remaining work reflect in the </a:t>
-            </a:r>
-          </a:p>
-          <a:p>
-            <a:r>
-              <a:rPr lang="en-US" dirty="0"/>
-              <a:t>    residual value of X?</a:t>
-            </a:r>
-          </a:p>
-          <a:p>
-            <a:r>
-              <a:rPr lang="en-US" dirty="0"/>
-              <a:t>* How to now capture “S” as a function of </a:t>
-            </a:r>
-          </a:p>
-          <a:p>
-            <a:r>
-              <a:rPr lang="en-US" dirty="0"/>
-              <a:t>   X and the other variables ??</a:t>
-            </a:r>
-          </a:p>
-          <a:p>
-            <a:endParaRPr lang="en-US" dirty="0"/>
-          </a:p>
-          <a:p>
-            <a:r>
-              <a:rPr lang="en-US" dirty="0"/>
-              <a:t>YOUR ANSWER NOW !!</a:t>
-            </a:r>
-          </a:p>
-        </p:txBody>
-      </p:sp>
     </p:spTree>
     <p:extLst>
       <p:ext uri="{BB962C8B-B14F-4D97-AF65-F5344CB8AC3E}">
-        <p14:creationId xmlns:p14="http://schemas.microsoft.com/office/powerpoint/2010/main" val="4120432411"/>
+        <p14:creationId xmlns:p14="http://schemas.microsoft.com/office/powerpoint/2010/main" val="795501758"/>
       </p:ext>
     </p:extLst>
   </p:cSld>
@@ -5245,42 +5247,47 @@
           <a:chExt cx="0" cy="0"/>
         </a:xfrm>
       </p:grpSpPr>
-      <p:pic>
-        <p:nvPicPr>
-          <p:cNvPr id="3" name="Picture 2" descr="A picture containing text, device&#10;&#10;Description automatically generated">
+      <p:sp>
+        <p:nvSpPr>
+          <p:cNvPr id="2" name="Title 1">
             <a:extLst>
               <a:ext uri="{FF2B5EF4-FFF2-40B4-BE49-F238E27FC236}">
-                <a16:creationId xmlns:a16="http://schemas.microsoft.com/office/drawing/2014/main" id="{FD469565-1AC8-1E4B-9050-F1E8B664071D}"/>
+                <a16:creationId xmlns:a16="http://schemas.microsoft.com/office/drawing/2014/main" id="{0837267C-B3DE-4544-9C3F-86E3F0236E90}"/>
               </a:ext>
             </a:extLst>
           </p:cNvPr>
-          <p:cNvPicPr>
-            <a:picLocks noChangeAspect="1"/>
-          </p:cNvPicPr>
-          <p:nvPr/>
-        </p:nvPicPr>
-        <p:blipFill>
-          <a:blip r:embed="rId2"/>
-          <a:stretch>
-            <a:fillRect/>
-          </a:stretch>
-        </p:blipFill>
-        <p:spPr>
-          <a:xfrm>
-            <a:off x="220980" y="3947362"/>
-            <a:ext cx="5219700" cy="2788718"/>
-          </a:xfrm>
-          <a:prstGeom prst="rect">
-            <a:avLst/>
-          </a:prstGeom>
-        </p:spPr>
-      </p:pic>
-      <p:sp>
-        <p:nvSpPr>
-          <p:cNvPr id="2" name="TextBox 1">
+          <p:cNvSpPr>
+            <a:spLocks noGrp="1"/>
+          </p:cNvSpPr>
+          <p:nvPr>
+            <p:ph type="title"/>
+          </p:nvPr>
+        </p:nvSpPr>
+        <p:spPr>
+          <a:xfrm>
+            <a:off x="838200" y="339000"/>
+            <a:ext cx="11075126" cy="618286"/>
+          </a:xfrm>
+        </p:spPr>
+        <p:txBody>
+          <a:bodyPr>
+            <a:normAutofit fontScale="90000"/>
+          </a:bodyPr>
+          <a:lstStyle/>
+          <a:p>
+            <a:r>
+              <a:rPr lang="en-US" dirty="0"/>
+              <a:t>With nested loops, we need more annotations</a:t>
+            </a:r>
+          </a:p>
+        </p:txBody>
+      </p:sp>
+      <p:sp>
+        <p:nvSpPr>
+          <p:cNvPr id="3" name="TextBox 2">
             <a:extLst>
               <a:ext uri="{FF2B5EF4-FFF2-40B4-BE49-F238E27FC236}">
-                <a16:creationId xmlns:a16="http://schemas.microsoft.com/office/drawing/2014/main" id="{D4C2A7A0-5B2B-6644-80D6-363A0C19B786}"/>
+                <a16:creationId xmlns:a16="http://schemas.microsoft.com/office/drawing/2014/main" id="{90F44416-CE7C-594F-BB65-0BCC47B4CE9A}"/>
               </a:ext>
             </a:extLst>
           </p:cNvPr>
@@ -5288,9 +5295,9 @@
           <p:nvPr/>
         </p:nvSpPr>
         <p:spPr>
-          <a:xfrm flipH="1">
-            <a:off x="220980" y="0"/>
-            <a:ext cx="11330940" cy="3785652"/>
+          <a:xfrm>
+            <a:off x="3801290" y="1163688"/>
+            <a:ext cx="4006225" cy="5355312"/>
           </a:xfrm>
           <a:prstGeom prst="rect">
             <a:avLst/>
@@ -5298,65 +5305,6 @@
           <a:noFill/>
         </p:spPr>
         <p:txBody>
-          <a:bodyPr wrap="square" rtlCol="0">
-            <a:spAutoFit/>
-          </a:bodyPr>
-          <a:lstStyle/>
-          <a:p>
-            <a:r>
-              <a:rPr lang="en-US" sz="2400" dirty="0"/>
-              <a:t>What is a good Loop Invariant to place immediately after “while” and</a:t>
-            </a:r>
-          </a:p>
-          <a:p>
-            <a:r>
-              <a:rPr lang="en-US" sz="2400" dirty="0"/>
-              <a:t>Before the “{ “ ?? THINK OF IT THIS WAY! IMAGINE YOU’VE BEEN RUNNING THE CODE FOR A WHILE … take a snapshot using your camera, and characterize the variable values that you see at that point into a mathematical relationship! </a:t>
-            </a:r>
-          </a:p>
-          <a:p>
-            <a:endParaRPr lang="en-US" sz="2400" dirty="0"/>
-          </a:p>
-          <a:p>
-            <a:r>
-              <a:rPr lang="en-US" sz="2400" dirty="0"/>
-              <a:t>Hint! Look at the final answer you have to deliver … this LI when specialized to the exit condition must be close enough (or actually imply) the post-condition!</a:t>
-            </a:r>
-          </a:p>
-          <a:p>
-            <a:endParaRPr lang="en-US" sz="2400" dirty="0"/>
-          </a:p>
-          <a:p>
-            <a:r>
-              <a:rPr lang="en-US" sz="2400" dirty="0"/>
-              <a:t>What is it for this program ??    Spend 5 mins!  Let the students independently type their LIs and discuss!</a:t>
-            </a:r>
-          </a:p>
-        </p:txBody>
-      </p:sp>
-      <p:sp>
-        <p:nvSpPr>
-          <p:cNvPr id="4" name="TextBox 3">
-            <a:extLst>
-              <a:ext uri="{FF2B5EF4-FFF2-40B4-BE49-F238E27FC236}">
-                <a16:creationId xmlns:a16="http://schemas.microsoft.com/office/drawing/2014/main" id="{12C7231F-CDD2-CC40-A7C1-A1F6BC607714}"/>
-              </a:ext>
-            </a:extLst>
-          </p:cNvPr>
-          <p:cNvSpPr txBox="1"/>
-          <p:nvPr/>
-        </p:nvSpPr>
-        <p:spPr>
-          <a:xfrm>
-            <a:off x="6389048" y="3429000"/>
-            <a:ext cx="5056192" cy="3139321"/>
-          </a:xfrm>
-          <a:prstGeom prst="rect">
-            <a:avLst/>
-          </a:prstGeom>
-          <a:noFill/>
-        </p:spPr>
-        <p:txBody>
           <a:bodyPr wrap="none" rtlCol="0">
             <a:spAutoFit/>
           </a:bodyPr>
@@ -5364,55 +5312,13 @@
           <a:p>
             <a:r>
               <a:rPr lang="en-US" dirty="0"/>
-              <a:t>Ask yourselves </a:t>
-            </a:r>
-          </a:p>
-          <a:p>
-            <a:pPr marL="285750" indent="-285750">
-              <a:buFont typeface="Arial" panose="020B0604020202020204" pitchFamily="34" charset="0"/>
-              <a:buChar char="•"/>
-            </a:pPr>
-            <a:r>
-              <a:rPr lang="en-US" dirty="0"/>
-              <a:t>How much of the S has been computed?</a:t>
-            </a:r>
-          </a:p>
-          <a:p>
-            <a:pPr marL="285750" indent="-285750">
-              <a:buFont typeface="Arial" panose="020B0604020202020204" pitchFamily="34" charset="0"/>
-              <a:buChar char="•"/>
-            </a:pPr>
-            <a:r>
-              <a:rPr lang="en-US" dirty="0"/>
-              <a:t>What remains to be computed?</a:t>
-            </a:r>
-          </a:p>
-          <a:p>
-            <a:pPr marL="285750" indent="-285750">
-              <a:buFont typeface="Arial" panose="020B0604020202020204" pitchFamily="34" charset="0"/>
-              <a:buChar char="•"/>
-            </a:pPr>
-            <a:r>
-              <a:rPr lang="en-US" dirty="0"/>
-              <a:t>How does the remaining work reflect in the </a:t>
-            </a:r>
-          </a:p>
-          <a:p>
-            <a:r>
-              <a:rPr lang="en-US" dirty="0"/>
-              <a:t>    residual value of X?</a:t>
-            </a:r>
-          </a:p>
-          <a:p>
-            <a:r>
-              <a:rPr lang="en-US" dirty="0"/>
-              <a:t>* How to now capture “S” as a function of </a:t>
-            </a:r>
-          </a:p>
-          <a:p>
-            <a:r>
-              <a:rPr lang="en-US" dirty="0"/>
-              <a:t>   X and the other variables ??</a:t>
+              <a:t>Here is an “optimized” version</a:t>
+            </a:r>
+          </a:p>
+          <a:p>
+            <a:r>
+              <a:rPr lang="en-US" dirty="0"/>
+              <a:t> of the same program</a:t>
             </a:r>
           </a:p>
           <a:p>
@@ -5421,19 +5327,61 @@
           <a:p>
             <a:r>
               <a:rPr lang="en-US" dirty="0"/>
-              <a:t>YOUR </a:t>
-            </a:r>
-            <a:r>
-              <a:rPr lang="en-US" dirty="0">
-                <a:solidFill>
-                  <a:srgbClr val="FF0000"/>
-                </a:solidFill>
-              </a:rPr>
-              <a:t>plausible</a:t>
-            </a:r>
-            <a:r>
-              <a:rPr lang="en-US" dirty="0"/>
-              <a:t> ANSWER NOW !!  </a:t>
+              <a:t>Method g20(</a:t>
+            </a:r>
+            <a:r>
+              <a:rPr lang="en-US" dirty="0" err="1"/>
+              <a:t>x,y</a:t>
+            </a:r>
+            <a:r>
+              <a:rPr lang="en-US" dirty="0"/>
+              <a:t> : </a:t>
+            </a:r>
+            <a:r>
+              <a:rPr lang="en-US" dirty="0" err="1"/>
+              <a:t>nat</a:t>
+            </a:r>
+            <a:r>
+              <a:rPr lang="en-US" dirty="0"/>
+              <a:t>) returns (</a:t>
+            </a:r>
+            <a:r>
+              <a:rPr lang="en-US" dirty="0" err="1"/>
+              <a:t>S:nat</a:t>
+            </a:r>
+            <a:r>
+              <a:rPr lang="en-US" dirty="0"/>
+              <a:t>)</a:t>
+            </a:r>
+          </a:p>
+          <a:p>
+            <a:r>
+              <a:rPr lang="en-US" dirty="0"/>
+              <a:t>Requires x &gt; 0</a:t>
+            </a:r>
+          </a:p>
+          <a:p>
+            <a:r>
+              <a:rPr lang="en-US" dirty="0"/>
+              <a:t>Requires y &gt; 0</a:t>
+            </a:r>
+          </a:p>
+          <a:p>
+            <a:r>
+              <a:rPr lang="en-US" dirty="0"/>
+              <a:t>Ensures S == x * y</a:t>
+            </a:r>
+          </a:p>
+          <a:p>
+            <a:r>
+              <a:rPr lang="en-US" dirty="0"/>
+              <a:t>{ var X,Y;</a:t>
+            </a:r>
+          </a:p>
+          <a:p>
+            <a:r>
+              <a:rPr lang="en-US" dirty="0"/>
+              <a:t> X := x; Y := y; S := 0;</a:t>
             </a:r>
           </a:p>
           <a:p>
@@ -5442,15 +5390,49 @@
           <a:p>
             <a:r>
               <a:rPr lang="en-US" dirty="0"/>
-              <a:t> </a:t>
-            </a:r>
-            <a:r>
-              <a:rPr lang="en-US" b="1" dirty="0">
-                <a:solidFill>
-                  <a:srgbClr val="FF0000"/>
-                </a:solidFill>
-              </a:rPr>
-              <a:t>(x – X) * Y == S</a:t>
+              <a:t>while(X != 0)</a:t>
+            </a:r>
+          </a:p>
+          <a:p>
+            <a:endParaRPr lang="en-US" dirty="0"/>
+          </a:p>
+          <a:p>
+            <a:r>
+              <a:rPr lang="en-US" dirty="0"/>
+              <a:t>{  while (X % 2 == 0)</a:t>
+            </a:r>
+          </a:p>
+          <a:p>
+            <a:endParaRPr lang="en-US" dirty="0"/>
+          </a:p>
+          <a:p>
+            <a:r>
+              <a:rPr lang="en-US" dirty="0"/>
+              <a:t>   { Y := Y + Y ; X := X / 2; }</a:t>
+            </a:r>
+          </a:p>
+          <a:p>
+            <a:r>
+              <a:rPr lang="en-US" dirty="0"/>
+              <a:t>   S := S+Y; </a:t>
+            </a:r>
+          </a:p>
+          <a:p>
+            <a:r>
+              <a:rPr lang="en-US" dirty="0"/>
+              <a:t>   X := X-1;</a:t>
+            </a:r>
+          </a:p>
+          <a:p>
+            <a:r>
+              <a:rPr lang="en-US" dirty="0"/>
+              <a:t>}</a:t>
+            </a:r>
+          </a:p>
+          <a:p>
+            <a:r>
+              <a:rPr lang="en-US" dirty="0"/>
+              <a:t>}</a:t>
             </a:r>
           </a:p>
         </p:txBody>
@@ -5458,7 +5440,7 @@
     </p:spTree>
     <p:extLst>
       <p:ext uri="{BB962C8B-B14F-4D97-AF65-F5344CB8AC3E}">
-        <p14:creationId xmlns:p14="http://schemas.microsoft.com/office/powerpoint/2010/main" val="1462843719"/>
+        <p14:creationId xmlns:p14="http://schemas.microsoft.com/office/powerpoint/2010/main" val="275447070"/>
       </p:ext>
     </p:extLst>
   </p:cSld>
@@ -5485,42 +5467,47 @@
           <a:chExt cx="0" cy="0"/>
         </a:xfrm>
       </p:grpSpPr>
-      <p:pic>
-        <p:nvPicPr>
-          <p:cNvPr id="3" name="Picture 2" descr="A picture containing text, device&#10;&#10;Description automatically generated">
+      <p:sp>
+        <p:nvSpPr>
+          <p:cNvPr id="2" name="Title 1">
             <a:extLst>
               <a:ext uri="{FF2B5EF4-FFF2-40B4-BE49-F238E27FC236}">
-                <a16:creationId xmlns:a16="http://schemas.microsoft.com/office/drawing/2014/main" id="{FD469565-1AC8-1E4B-9050-F1E8B664071D}"/>
+                <a16:creationId xmlns:a16="http://schemas.microsoft.com/office/drawing/2014/main" id="{0837267C-B3DE-4544-9C3F-86E3F0236E90}"/>
               </a:ext>
             </a:extLst>
           </p:cNvPr>
-          <p:cNvPicPr>
-            <a:picLocks noChangeAspect="1"/>
-          </p:cNvPicPr>
-          <p:nvPr/>
-        </p:nvPicPr>
-        <p:blipFill>
-          <a:blip r:embed="rId2"/>
-          <a:stretch>
-            <a:fillRect/>
-          </a:stretch>
-        </p:blipFill>
-        <p:spPr>
-          <a:xfrm>
-            <a:off x="220980" y="3947362"/>
-            <a:ext cx="5219700" cy="2788718"/>
-          </a:xfrm>
-          <a:prstGeom prst="rect">
-            <a:avLst/>
-          </a:prstGeom>
-        </p:spPr>
-      </p:pic>
-      <p:sp>
-        <p:nvSpPr>
-          <p:cNvPr id="4" name="TextBox 3">
+          <p:cNvSpPr>
+            <a:spLocks noGrp="1"/>
+          </p:cNvSpPr>
+          <p:nvPr>
+            <p:ph type="title"/>
+          </p:nvPr>
+        </p:nvSpPr>
+        <p:spPr>
+          <a:xfrm>
+            <a:off x="838200" y="339000"/>
+            <a:ext cx="11075126" cy="618286"/>
+          </a:xfrm>
+        </p:spPr>
+        <p:txBody>
+          <a:bodyPr>
+            <a:normAutofit fontScale="90000"/>
+          </a:bodyPr>
+          <a:lstStyle/>
+          <a:p>
+            <a:r>
+              <a:rPr lang="en-US" dirty="0"/>
+              <a:t>With nested loops, we need more annotations</a:t>
+            </a:r>
+          </a:p>
+        </p:txBody>
+      </p:sp>
+      <p:sp>
+        <p:nvSpPr>
+          <p:cNvPr id="3" name="TextBox 2">
             <a:extLst>
               <a:ext uri="{FF2B5EF4-FFF2-40B4-BE49-F238E27FC236}">
-                <a16:creationId xmlns:a16="http://schemas.microsoft.com/office/drawing/2014/main" id="{12C7231F-CDD2-CC40-A7C1-A1F6BC607714}"/>
+                <a16:creationId xmlns:a16="http://schemas.microsoft.com/office/drawing/2014/main" id="{90F44416-CE7C-594F-BB65-0BCC47B4CE9A}"/>
               </a:ext>
             </a:extLst>
           </p:cNvPr>
@@ -5529,8 +5516,8 @@
         </p:nvSpPr>
         <p:spPr>
           <a:xfrm>
-            <a:off x="5566088" y="198120"/>
-            <a:ext cx="6051593" cy="6678751"/>
+            <a:off x="3801290" y="1163688"/>
+            <a:ext cx="4289957" cy="5355312"/>
           </a:xfrm>
           <a:prstGeom prst="rect">
             <a:avLst/>
@@ -5544,183 +5531,136 @@
           <a:lstStyle/>
           <a:p>
             <a:r>
-              <a:rPr lang="en-US" sz="2800" dirty="0"/>
-              <a:t>YOUR </a:t>
-            </a:r>
-            <a:r>
-              <a:rPr lang="en-US" sz="2800" dirty="0">
-                <a:solidFill>
-                  <a:srgbClr val="FF0000"/>
-                </a:solidFill>
-              </a:rPr>
-              <a:t>plausible</a:t>
-            </a:r>
-            <a:r>
-              <a:rPr lang="en-US" sz="2800" dirty="0"/>
-              <a:t> ANSWER NOW !!  </a:t>
-            </a:r>
-          </a:p>
-          <a:p>
-            <a:r>
-              <a:rPr lang="en-US" sz="2800" dirty="0"/>
-              <a:t> </a:t>
-            </a:r>
-            <a:r>
-              <a:rPr lang="en-US" sz="2800" b="1" dirty="0">
-                <a:solidFill>
-                  <a:srgbClr val="FF0000"/>
-                </a:solidFill>
-              </a:rPr>
-              <a:t>(x – X) * Y == S</a:t>
-            </a:r>
-          </a:p>
-          <a:p>
-            <a:r>
-              <a:rPr lang="en-US" sz="2800" b="1" dirty="0">
-                <a:solidFill>
-                  <a:srgbClr val="0432FF"/>
-                </a:solidFill>
-              </a:rPr>
-              <a:t>Why only plausible?</a:t>
-            </a:r>
-          </a:p>
-          <a:p>
-            <a:pPr marL="285750" indent="-285750">
-              <a:buFont typeface="Arial" panose="020B0604020202020204" pitchFamily="34" charset="0"/>
-              <a:buChar char="•"/>
-            </a:pPr>
-            <a:r>
-              <a:rPr lang="en-US" sz="2800" b="1" dirty="0">
-                <a:solidFill>
-                  <a:srgbClr val="0432FF"/>
-                </a:solidFill>
-              </a:rPr>
-              <a:t>Invariant discovery is the</a:t>
-            </a:r>
-          </a:p>
-          <a:p>
-            <a:r>
-              <a:rPr lang="en-US" sz="2800" b="1" dirty="0">
-                <a:solidFill>
-                  <a:srgbClr val="0432FF"/>
-                </a:solidFill>
-              </a:rPr>
-              <a:t>  hardest problem</a:t>
-            </a:r>
-          </a:p>
-          <a:p>
-            <a:r>
-              <a:rPr lang="en-US" sz="2800" b="1" dirty="0">
-                <a:solidFill>
-                  <a:srgbClr val="0432FF"/>
-                </a:solidFill>
-              </a:rPr>
-              <a:t> (the most creative aspect) of </a:t>
-            </a:r>
-          </a:p>
-          <a:p>
-            <a:r>
-              <a:rPr lang="en-US" sz="2800" b="1" dirty="0">
-                <a:solidFill>
-                  <a:srgbClr val="0432FF"/>
-                </a:solidFill>
-              </a:rPr>
-              <a:t> verification</a:t>
-            </a:r>
-          </a:p>
-          <a:p>
-            <a:pPr marL="285750" indent="-285750">
-              <a:buFont typeface="Arial" panose="020B0604020202020204" pitchFamily="34" charset="0"/>
-              <a:buChar char="•"/>
-            </a:pPr>
-            <a:r>
-              <a:rPr lang="en-US" sz="2800" b="1" dirty="0"/>
-              <a:t>Model-checkers find invariants </a:t>
-            </a:r>
-          </a:p>
-          <a:p>
-            <a:r>
-              <a:rPr lang="en-US" sz="2800" b="1" dirty="0"/>
-              <a:t> for you </a:t>
-            </a:r>
-          </a:p>
-          <a:p>
-            <a:r>
-              <a:rPr lang="en-US" sz="2800" b="1" dirty="0"/>
-              <a:t>  They find SIN s   … Strongest </a:t>
-            </a:r>
-          </a:p>
-          <a:p>
-            <a:r>
-              <a:rPr lang="en-US" sz="2800" b="1" dirty="0"/>
-              <a:t>  Invariants </a:t>
-            </a:r>
-            <a:r>
-              <a:rPr lang="en-US" sz="2800" b="1" dirty="0">
-                <a:sym typeface="Wingdings" pitchFamily="2" charset="2"/>
-              </a:rPr>
-              <a:t> </a:t>
-            </a:r>
-          </a:p>
-          <a:p>
-            <a:r>
-              <a:rPr lang="en-US" sz="2800" b="1" dirty="0">
-                <a:sym typeface="Wingdings" pitchFamily="2" charset="2"/>
-              </a:rPr>
-              <a:t> (but only for those finite cases)</a:t>
-            </a:r>
-          </a:p>
-          <a:p>
-            <a:pPr marL="285750" indent="-285750">
-              <a:buFont typeface="Arial" panose="020B0604020202020204" pitchFamily="34" charset="0"/>
-              <a:buChar char="•"/>
-            </a:pPr>
-            <a:r>
-              <a:rPr lang="en-US" sz="2800" b="1" dirty="0">
-                <a:solidFill>
-                  <a:srgbClr val="945200"/>
-                </a:solidFill>
-                <a:sym typeface="Wingdings" pitchFamily="2" charset="2"/>
-              </a:rPr>
-              <a:t>We need a closed-form invariant </a:t>
-            </a:r>
-          </a:p>
-          <a:p>
-            <a:r>
-              <a:rPr lang="en-US" sz="2800" b="1" dirty="0">
-                <a:solidFill>
-                  <a:srgbClr val="945200"/>
-                </a:solidFill>
-                <a:sym typeface="Wingdings" pitchFamily="2" charset="2"/>
-              </a:rPr>
-              <a:t>  for the general case!</a:t>
-            </a:r>
-            <a:endParaRPr lang="en-US" sz="2800" b="1" dirty="0">
-              <a:solidFill>
-                <a:srgbClr val="945200"/>
-              </a:solidFill>
-            </a:endParaRPr>
-          </a:p>
-          <a:p>
-            <a:endParaRPr lang="en-US" b="1" dirty="0">
-              <a:solidFill>
-                <a:srgbClr val="FF0000"/>
-              </a:solidFill>
-            </a:endParaRPr>
-          </a:p>
-          <a:p>
-            <a:endParaRPr lang="en-US" b="1" dirty="0">
-              <a:solidFill>
-                <a:srgbClr val="FF0000"/>
-              </a:solidFill>
-            </a:endParaRPr>
+              <a:rPr lang="en-US" dirty="0"/>
+              <a:t>Here is an “optimized” version</a:t>
+            </a:r>
+          </a:p>
+          <a:p>
+            <a:r>
+              <a:rPr lang="en-US" dirty="0"/>
+              <a:t> of the same program</a:t>
+            </a:r>
+          </a:p>
+          <a:p>
+            <a:endParaRPr lang="en-US" dirty="0"/>
+          </a:p>
+          <a:p>
+            <a:r>
+              <a:rPr lang="en-US" dirty="0"/>
+              <a:t>Method g20(</a:t>
+            </a:r>
+            <a:r>
+              <a:rPr lang="en-US" dirty="0" err="1"/>
+              <a:t>x,y</a:t>
+            </a:r>
+            <a:r>
+              <a:rPr lang="en-US" dirty="0"/>
+              <a:t> : </a:t>
+            </a:r>
+            <a:r>
+              <a:rPr lang="en-US" dirty="0" err="1"/>
+              <a:t>nat</a:t>
+            </a:r>
+            <a:r>
+              <a:rPr lang="en-US" dirty="0"/>
+              <a:t>) returns (</a:t>
+            </a:r>
+            <a:r>
+              <a:rPr lang="en-US" dirty="0" err="1"/>
+              <a:t>S:nat</a:t>
+            </a:r>
+            <a:r>
+              <a:rPr lang="en-US" dirty="0"/>
+              <a:t>)</a:t>
+            </a:r>
+          </a:p>
+          <a:p>
+            <a:r>
+              <a:rPr lang="en-US" dirty="0"/>
+              <a:t>Requires x &gt; 0</a:t>
+            </a:r>
+          </a:p>
+          <a:p>
+            <a:r>
+              <a:rPr lang="en-US" dirty="0"/>
+              <a:t>Requires y &gt; 0</a:t>
+            </a:r>
+          </a:p>
+          <a:p>
+            <a:r>
+              <a:rPr lang="en-US" dirty="0"/>
+              <a:t>Ensures S == x * y</a:t>
+            </a:r>
+          </a:p>
+          <a:p>
+            <a:r>
+              <a:rPr lang="en-US" dirty="0"/>
+              <a:t>{ var X,Y;</a:t>
+            </a:r>
+          </a:p>
+          <a:p>
+            <a:r>
+              <a:rPr lang="en-US" dirty="0"/>
+              <a:t> X := x; Y := y; S := 0;</a:t>
+            </a:r>
+          </a:p>
+          <a:p>
+            <a:endParaRPr lang="en-US" dirty="0"/>
+          </a:p>
+          <a:p>
+            <a:r>
+              <a:rPr lang="en-US" dirty="0"/>
+              <a:t>while(X != 0)   [ Loop Invariant Here ?  ]</a:t>
+            </a:r>
+          </a:p>
+          <a:p>
+            <a:endParaRPr lang="en-US" dirty="0"/>
+          </a:p>
+          <a:p>
+            <a:r>
+              <a:rPr lang="en-US" dirty="0"/>
+              <a:t>{  while (X % 2 == 0)</a:t>
+            </a:r>
+          </a:p>
+          <a:p>
+            <a:endParaRPr lang="en-US" dirty="0"/>
+          </a:p>
+          <a:p>
+            <a:r>
+              <a:rPr lang="en-US" dirty="0"/>
+              <a:t>   { Y := Y + Y ; X := X / 2; }</a:t>
+            </a:r>
+          </a:p>
+          <a:p>
+            <a:r>
+              <a:rPr lang="en-US" dirty="0"/>
+              <a:t>   S := S+Y; </a:t>
+            </a:r>
+          </a:p>
+          <a:p>
+            <a:r>
+              <a:rPr lang="en-US" dirty="0"/>
+              <a:t>   X := X-1;</a:t>
+            </a:r>
+          </a:p>
+          <a:p>
+            <a:r>
+              <a:rPr lang="en-US" dirty="0"/>
+              <a:t>}</a:t>
+            </a:r>
+          </a:p>
+          <a:p>
+            <a:r>
+              <a:rPr lang="en-US" dirty="0"/>
+              <a:t>}</a:t>
+            </a:r>
           </a:p>
         </p:txBody>
       </p:sp>
     </p:spTree>
     <p:extLst>
       <p:ext uri="{BB962C8B-B14F-4D97-AF65-F5344CB8AC3E}">
-        <p14:creationId xmlns:p14="http://schemas.microsoft.com/office/powerpoint/2010/main" val="2712411745"/>
+        <p14:creationId xmlns:p14="http://schemas.microsoft.com/office/powerpoint/2010/main" val="49160934"/>
       </p:ext>
     </p:extLst>
   </p:cSld>
@@ -5752,7 +5692,7 @@
           <p:cNvPr id="2" name="Title 1">
             <a:extLst>
               <a:ext uri="{FF2B5EF4-FFF2-40B4-BE49-F238E27FC236}">
-                <a16:creationId xmlns:a16="http://schemas.microsoft.com/office/drawing/2014/main" id="{8B4D65A2-6A3C-3F45-96B1-57B96985157F}"/>
+                <a16:creationId xmlns:a16="http://schemas.microsoft.com/office/drawing/2014/main" id="{0837267C-B3DE-4544-9C3F-86E3F0236E90}"/>
               </a:ext>
             </a:extLst>
           </p:cNvPr>
@@ -5763,7 +5703,12 @@
             <p:ph type="title"/>
           </p:nvPr>
         </p:nvSpPr>
-        <p:spPr/>
+        <p:spPr>
+          <a:xfrm>
+            <a:off x="838200" y="339000"/>
+            <a:ext cx="11075126" cy="618286"/>
+          </a:xfrm>
+        </p:spPr>
         <p:txBody>
           <a:bodyPr>
             <a:normAutofit fontScale="90000"/>
@@ -5772,105 +5717,174 @@
           <a:p>
             <a:r>
               <a:rPr lang="en-US" dirty="0"/>
-              <a:t>There are two methods to confirm an LI</a:t>
-            </a:r>
-          </a:p>
-        </p:txBody>
-      </p:sp>
-      <p:sp>
-        <p:nvSpPr>
-          <p:cNvPr id="3" name="Content Placeholder 2">
+              <a:t>With nested loops, we need more annotations</a:t>
+            </a:r>
+          </a:p>
+        </p:txBody>
+      </p:sp>
+      <p:sp>
+        <p:nvSpPr>
+          <p:cNvPr id="3" name="TextBox 2">
             <a:extLst>
               <a:ext uri="{FF2B5EF4-FFF2-40B4-BE49-F238E27FC236}">
-                <a16:creationId xmlns:a16="http://schemas.microsoft.com/office/drawing/2014/main" id="{F679C695-EEAD-164B-B116-34618A81647C}"/>
+                <a16:creationId xmlns:a16="http://schemas.microsoft.com/office/drawing/2014/main" id="{90F44416-CE7C-594F-BB65-0BCC47B4CE9A}"/>
               </a:ext>
             </a:extLst>
           </p:cNvPr>
-          <p:cNvSpPr>
-            <a:spLocks noGrp="1"/>
-          </p:cNvSpPr>
-          <p:nvPr>
-            <p:ph idx="1"/>
-          </p:nvPr>
-        </p:nvSpPr>
-        <p:spPr/>
-        <p:txBody>
-          <a:bodyPr/>
+          <p:cNvSpPr txBox="1"/>
+          <p:nvPr/>
+        </p:nvSpPr>
+        <p:spPr>
+          <a:xfrm>
+            <a:off x="3801290" y="1163688"/>
+            <a:ext cx="7576459" cy="5632311"/>
+          </a:xfrm>
+          <a:prstGeom prst="rect">
+            <a:avLst/>
+          </a:prstGeom>
+          <a:noFill/>
+        </p:spPr>
+        <p:txBody>
+          <a:bodyPr wrap="square" rtlCol="0">
+            <a:spAutoFit/>
+          </a:bodyPr>
           <a:lstStyle/>
           <a:p>
-            <a:pPr marL="514350" indent="-514350">
-              <a:buAutoNum type="arabicParenR"/>
-            </a:pPr>
-            <a:r>
-              <a:rPr lang="en-US" dirty="0"/>
-              <a:t>Ask </a:t>
+            <a:r>
+              <a:rPr lang="en-US" dirty="0"/>
+              <a:t>Here is an “optimized” version</a:t>
+            </a:r>
+          </a:p>
+          <a:p>
+            <a:r>
+              <a:rPr lang="en-US" dirty="0"/>
+              <a:t> of the same program</a:t>
+            </a:r>
+          </a:p>
+          <a:p>
+            <a:endParaRPr lang="en-US" dirty="0"/>
+          </a:p>
+          <a:p>
+            <a:r>
+              <a:rPr lang="en-US" dirty="0"/>
+              <a:t>Method g20(</a:t>
             </a:r>
             <a:r>
               <a:rPr lang="en-US" dirty="0" err="1"/>
-              <a:t>Dafny</a:t>
-            </a:r>
-            <a:r>
-              <a:rPr lang="en-US" dirty="0"/>
-              <a:t> or similar tools</a:t>
-            </a:r>
-          </a:p>
-          <a:p>
-            <a:pPr marL="514350" indent="-514350">
-              <a:buAutoNum type="arabicParenR"/>
-            </a:pPr>
+              <a:t>x,y</a:t>
+            </a:r>
+            <a:r>
+              <a:rPr lang="en-US" dirty="0"/>
+              <a:t> : </a:t>
+            </a:r>
+            <a:r>
+              <a:rPr lang="en-US" dirty="0" err="1"/>
+              <a:t>nat</a:t>
+            </a:r>
+            <a:r>
+              <a:rPr lang="en-US" dirty="0"/>
+              <a:t>) returns (</a:t>
+            </a:r>
+            <a:r>
+              <a:rPr lang="en-US" dirty="0" err="1"/>
+              <a:t>S:nat</a:t>
+            </a:r>
+            <a:r>
+              <a:rPr lang="en-US" dirty="0"/>
+              <a:t>)</a:t>
+            </a:r>
+          </a:p>
+          <a:p>
+            <a:r>
+              <a:rPr lang="en-US" dirty="0"/>
+              <a:t>Requires x &gt; 0</a:t>
+            </a:r>
+          </a:p>
+          <a:p>
+            <a:r>
+              <a:rPr lang="en-US" dirty="0"/>
+              <a:t>Requires y &gt; 0</a:t>
+            </a:r>
+          </a:p>
+          <a:p>
+            <a:r>
+              <a:rPr lang="en-US" dirty="0"/>
+              <a:t>Ensures S == x * y</a:t>
+            </a:r>
+          </a:p>
+          <a:p>
+            <a:r>
+              <a:rPr lang="en-US" dirty="0"/>
+              <a:t>{ var X,Y;</a:t>
+            </a:r>
+          </a:p>
+          <a:p>
+            <a:r>
+              <a:rPr lang="en-US" dirty="0"/>
+              <a:t> X := x; Y := y; S := 0;</a:t>
+            </a:r>
+          </a:p>
+          <a:p>
             <a:endParaRPr lang="en-US" dirty="0"/>
           </a:p>
           <a:p>
-            <a:pPr lvl="1">
-              <a:buFont typeface="Arial" panose="020B0604020202020204" pitchFamily="34" charset="0"/>
-              <a:buChar char="•"/>
-            </a:pPr>
-            <a:r>
-              <a:rPr lang="en-US" dirty="0"/>
-              <a:t>But remember, these tools are worse than your nagging boss !!</a:t>
-            </a:r>
-          </a:p>
-          <a:p>
-            <a:pPr lvl="1">
-              <a:buFont typeface="Arial" panose="020B0604020202020204" pitchFamily="34" charset="0"/>
-              <a:buChar char="•"/>
-            </a:pPr>
-            <a:r>
-              <a:rPr lang="en-US" dirty="0"/>
-              <a:t>You may be close enough but these tools bite you hard at &lt;you-know-where&gt;</a:t>
-            </a:r>
-          </a:p>
-          <a:p>
-            <a:pPr lvl="1">
-              <a:buFont typeface="Arial" panose="020B0604020202020204" pitchFamily="34" charset="0"/>
-              <a:buChar char="•"/>
-            </a:pPr>
-            <a:endParaRPr lang="en-US" dirty="0"/>
-          </a:p>
-          <a:p>
-            <a:pPr marL="0" indent="0">
-              <a:buNone/>
-            </a:pPr>
-            <a:r>
-              <a:rPr lang="en-US" dirty="0"/>
-              <a:t>2) Have a method to hand-check!!</a:t>
-            </a:r>
-          </a:p>
-          <a:p>
-            <a:pPr>
-              <a:buFont typeface="Arial" panose="020B0604020202020204" pitchFamily="34" charset="0"/>
-              <a:buChar char="•"/>
-            </a:pPr>
-            <a:endParaRPr lang="en-US" dirty="0"/>
-          </a:p>
-          <a:p>
-            <a:pPr>
-              <a:buFont typeface="Arial" panose="020B0604020202020204" pitchFamily="34" charset="0"/>
-              <a:buChar char="•"/>
-            </a:pPr>
-            <a:r>
-              <a:rPr lang="en-US" dirty="0"/>
-              <a:t>This is what we will show you how!</a:t>
+            <a:r>
+              <a:rPr lang="en-US" dirty="0"/>
+              <a:t>while(X != 0)   [ Loop Invariant Here ?  ] </a:t>
+            </a:r>
+          </a:p>
+          <a:p>
+            <a:r>
+              <a:rPr lang="en-US" dirty="0"/>
+              <a:t>                      [ Remaining “work” is still measured by X ]</a:t>
+            </a:r>
+          </a:p>
+          <a:p>
+            <a:r>
+              <a:rPr lang="en-US" dirty="0"/>
+              <a:t>                      [ If you pretend to do that much more, and add to S, </a:t>
+            </a:r>
+          </a:p>
+          <a:p>
+            <a:r>
+              <a:rPr lang="en-US" dirty="0"/>
+              <a:t>                        it should match our goal ]</a:t>
+            </a:r>
+          </a:p>
+          <a:p>
+            <a:r>
+              <a:rPr lang="en-US" dirty="0"/>
+              <a:t>{  while (X % 2 == 0)</a:t>
+            </a:r>
+          </a:p>
+          <a:p>
+            <a:r>
+              <a:rPr lang="en-US" dirty="0"/>
+              <a:t>   { Y := Y + Y ; X := X / 2; }</a:t>
+            </a:r>
+          </a:p>
+          <a:p>
+            <a:r>
+              <a:rPr lang="en-US" dirty="0"/>
+              <a:t>   S := S+Y; </a:t>
+            </a:r>
+          </a:p>
+          <a:p>
+            <a:r>
+              <a:rPr lang="en-US" dirty="0"/>
+              <a:t>   X := X-1;</a:t>
+            </a:r>
+          </a:p>
+          <a:p>
+            <a:r>
+              <a:rPr lang="en-US" dirty="0"/>
+              <a:t>}</a:t>
+            </a:r>
+          </a:p>
+          <a:p>
+            <a:r>
+              <a:rPr lang="en-US" dirty="0"/>
+              <a:t>}</a:t>
             </a:r>
           </a:p>
         </p:txBody>
@@ -5878,7 +5892,7 @@
     </p:spTree>
     <p:extLst>
       <p:ext uri="{BB962C8B-B14F-4D97-AF65-F5344CB8AC3E}">
-        <p14:creationId xmlns:p14="http://schemas.microsoft.com/office/powerpoint/2010/main" val="2835930019"/>
+        <p14:creationId xmlns:p14="http://schemas.microsoft.com/office/powerpoint/2010/main" val="174863586"/>
       </p:ext>
     </p:extLst>
   </p:cSld>
@@ -5921,7 +5935,12 @@
             <p:ph type="title"/>
           </p:nvPr>
         </p:nvSpPr>
-        <p:spPr/>
+        <p:spPr>
+          <a:xfrm>
+            <a:off x="838200" y="339000"/>
+            <a:ext cx="11075126" cy="618286"/>
+          </a:xfrm>
+        </p:spPr>
         <p:txBody>
           <a:bodyPr>
             <a:normAutofit fontScale="90000"/>
@@ -5930,55 +5949,17 @@
           <a:p>
             <a:r>
               <a:rPr lang="en-US" dirty="0"/>
-              <a:t>Why you need to know how ”</a:t>
-            </a:r>
-            <a:r>
-              <a:rPr lang="en-US" dirty="0" err="1"/>
-              <a:t>dafny</a:t>
-            </a:r>
-            <a:r>
-              <a:rPr lang="en-US" dirty="0"/>
-              <a:t> thinks”!</a:t>
-            </a:r>
-          </a:p>
-        </p:txBody>
-      </p:sp>
-      <p:pic>
-        <p:nvPicPr>
-          <p:cNvPr id="5" name="Picture 4" descr="Text&#10;&#10;Description automatically generated">
+              <a:t>With nested loops, we need more annotations</a:t>
+            </a:r>
+          </a:p>
+        </p:txBody>
+      </p:sp>
+      <p:sp>
+        <p:nvSpPr>
+          <p:cNvPr id="3" name="TextBox 2">
             <a:extLst>
               <a:ext uri="{FF2B5EF4-FFF2-40B4-BE49-F238E27FC236}">
-                <a16:creationId xmlns:a16="http://schemas.microsoft.com/office/drawing/2014/main" id="{B256A73E-DC43-FA40-B1C8-C6673143EEDA}"/>
-              </a:ext>
-            </a:extLst>
-          </p:cNvPr>
-          <p:cNvPicPr>
-            <a:picLocks noChangeAspect="1"/>
-          </p:cNvPicPr>
-          <p:nvPr/>
-        </p:nvPicPr>
-        <p:blipFill>
-          <a:blip r:embed="rId2"/>
-          <a:stretch>
-            <a:fillRect/>
-          </a:stretch>
-        </p:blipFill>
-        <p:spPr>
-          <a:xfrm>
-            <a:off x="838200" y="983412"/>
-            <a:ext cx="5856623" cy="5874588"/>
-          </a:xfrm>
-          <a:prstGeom prst="rect">
-            <a:avLst/>
-          </a:prstGeom>
-        </p:spPr>
-      </p:pic>
-      <p:sp>
-        <p:nvSpPr>
-          <p:cNvPr id="6" name="TextBox 5">
-            <a:extLst>
-              <a:ext uri="{FF2B5EF4-FFF2-40B4-BE49-F238E27FC236}">
-                <a16:creationId xmlns:a16="http://schemas.microsoft.com/office/drawing/2014/main" id="{00F6B7FD-1D1E-E745-B861-3CA2DA322682}"/>
+                <a16:creationId xmlns:a16="http://schemas.microsoft.com/office/drawing/2014/main" id="{90F44416-CE7C-594F-BB65-0BCC47B4CE9A}"/>
               </a:ext>
             </a:extLst>
           </p:cNvPr>
@@ -5987,8 +5968,8 @@
         </p:nvSpPr>
         <p:spPr>
           <a:xfrm>
-            <a:off x="6808161" y="3920706"/>
-            <a:ext cx="4859022" cy="1477328"/>
+            <a:off x="3801290" y="1163688"/>
+            <a:ext cx="4289957" cy="5355312"/>
           </a:xfrm>
           <a:prstGeom prst="rect">
             <a:avLst/>
@@ -6003,23 +5984,76 @@
           <a:p>
             <a:r>
               <a:rPr lang="en-US" dirty="0"/>
-              <a:t>Maybe I’ve not learned how to steer</a:t>
-            </a:r>
-          </a:p>
-          <a:p>
+              <a:t>Here is an “optimized” version</a:t>
+            </a:r>
+          </a:p>
+          <a:p>
+            <a:r>
+              <a:rPr lang="en-US" dirty="0"/>
+              <a:t> of the same program</a:t>
+            </a:r>
+          </a:p>
+          <a:p>
+            <a:endParaRPr lang="en-US" dirty="0"/>
+          </a:p>
+          <a:p>
+            <a:r>
+              <a:rPr lang="en-US" dirty="0"/>
+              <a:t>Method g20(</a:t>
+            </a:r>
             <a:r>
               <a:rPr lang="en-US" dirty="0" err="1"/>
-              <a:t>Dafny</a:t>
-            </a:r>
-            <a:r>
-              <a:rPr lang="en-US" dirty="0"/>
-              <a:t> well-enough… but this took  </a:t>
-            </a:r>
-          </a:p>
-          <a:p>
-            <a:r>
-              <a:rPr lang="en-US" dirty="0"/>
-              <a:t>an extra late night hour before I could sleep!</a:t>
+              <a:t>x,y</a:t>
+            </a:r>
+            <a:r>
+              <a:rPr lang="en-US" dirty="0"/>
+              <a:t> : </a:t>
+            </a:r>
+            <a:r>
+              <a:rPr lang="en-US" dirty="0" err="1"/>
+              <a:t>nat</a:t>
+            </a:r>
+            <a:r>
+              <a:rPr lang="en-US" dirty="0"/>
+              <a:t>) returns (</a:t>
+            </a:r>
+            <a:r>
+              <a:rPr lang="en-US" dirty="0" err="1"/>
+              <a:t>S:nat</a:t>
+            </a:r>
+            <a:r>
+              <a:rPr lang="en-US" dirty="0"/>
+              <a:t>)</a:t>
+            </a:r>
+          </a:p>
+          <a:p>
+            <a:r>
+              <a:rPr lang="en-US" dirty="0"/>
+              <a:t>Requires x &gt; 0</a:t>
+            </a:r>
+          </a:p>
+          <a:p>
+            <a:r>
+              <a:rPr lang="en-US" dirty="0"/>
+              <a:t>Requires y &gt; 0</a:t>
+            </a:r>
+          </a:p>
+          <a:p>
+            <a:r>
+              <a:rPr lang="en-US" dirty="0"/>
+              <a:t>Ensures S == x * y</a:t>
+            </a:r>
+          </a:p>
+          <a:p>
+            <a:r>
+              <a:rPr lang="en-US" dirty="0"/>
+              <a:t>{ var X,Y;</a:t>
+            </a:r>
+          </a:p>
+          <a:p>
+            <a:r>
+              <a:rPr lang="en-US" dirty="0"/>
+              <a:t> X := x; Y := y; S := 0;</a:t>
             </a:r>
           </a:p>
           <a:p>
@@ -6027,26 +6061,58 @@
           </a:p>
           <a:p>
             <a:r>
-              <a:rPr lang="en-US" sz="2400" dirty="0">
-                <a:solidFill>
-                  <a:srgbClr val="FF0000"/>
-                </a:solidFill>
-                <a:sym typeface="Wingdings" pitchFamily="2" charset="2"/>
-              </a:rPr>
-              <a:t></a:t>
-            </a:r>
-            <a:endParaRPr lang="en-US" sz="2400" dirty="0">
-              <a:solidFill>
-                <a:srgbClr val="FF0000"/>
-              </a:solidFill>
-            </a:endParaRPr>
+              <a:rPr lang="en-US" dirty="0"/>
+              <a:t>while(X != 0)   [ Loop Invariant Here ?  ]</a:t>
+            </a:r>
+          </a:p>
+          <a:p>
+            <a:endParaRPr lang="en-US" dirty="0"/>
+          </a:p>
+          <a:p>
+            <a:r>
+              <a:rPr lang="en-US" dirty="0"/>
+              <a:t>{  while (X % 2 == 0)</a:t>
+            </a:r>
+          </a:p>
+          <a:p>
+            <a:endParaRPr lang="en-US" dirty="0"/>
+          </a:p>
+          <a:p>
+            <a:r>
+              <a:rPr lang="en-US" dirty="0"/>
+              <a:t>   { Y := Y + Y ; X := X / 2; }</a:t>
+            </a:r>
+          </a:p>
+          <a:p>
+            <a:r>
+              <a:rPr lang="en-US" dirty="0"/>
+              <a:t>   S := S+Y; </a:t>
+            </a:r>
+          </a:p>
+          <a:p>
+            <a:r>
+              <a:rPr lang="en-US" dirty="0"/>
+              <a:t>   X := X-1;</a:t>
+            </a:r>
+          </a:p>
+          <a:p>
+            <a:r>
+              <a:rPr lang="en-US" dirty="0"/>
+              <a:t>}</a:t>
+            </a:r>
+          </a:p>
+          <a:p>
+            <a:r>
+              <a:rPr lang="en-US" dirty="0"/>
+              <a:t>}</a:t>
+            </a:r>
           </a:p>
         </p:txBody>
       </p:sp>
     </p:spTree>
     <p:extLst>
       <p:ext uri="{BB962C8B-B14F-4D97-AF65-F5344CB8AC3E}">
-        <p14:creationId xmlns:p14="http://schemas.microsoft.com/office/powerpoint/2010/main" val="275447070"/>
+        <p14:creationId xmlns:p14="http://schemas.microsoft.com/office/powerpoint/2010/main" val="3034895211"/>
       </p:ext>
     </p:extLst>
   </p:cSld>
@@ -6078,7 +6144,7 @@
           <p:cNvPr id="2" name="Title 1">
             <a:extLst>
               <a:ext uri="{FF2B5EF4-FFF2-40B4-BE49-F238E27FC236}">
-                <a16:creationId xmlns:a16="http://schemas.microsoft.com/office/drawing/2014/main" id="{1046CA07-6E89-A944-BED1-D08064B9DED5}"/>
+                <a16:creationId xmlns:a16="http://schemas.microsoft.com/office/drawing/2014/main" id="{0837267C-B3DE-4544-9C3F-86E3F0236E90}"/>
               </a:ext>
             </a:extLst>
           </p:cNvPr>
@@ -6091,41 +6157,29 @@
         </p:nvSpPr>
         <p:spPr>
           <a:xfrm>
-            <a:off x="0" y="0"/>
-            <a:ext cx="4358640" cy="315911"/>
+            <a:off x="838200" y="339000"/>
+            <a:ext cx="11075126" cy="618286"/>
           </a:xfrm>
         </p:spPr>
         <p:txBody>
           <a:bodyPr>
-            <a:normAutofit/>
+            <a:normAutofit fontScale="90000"/>
           </a:bodyPr>
           <a:lstStyle/>
           <a:p>
             <a:r>
-              <a:rPr lang="en-US" sz="1600" dirty="0">
-                <a:solidFill>
-                  <a:srgbClr val="0432FF"/>
-                </a:solidFill>
-              </a:rPr>
-              <a:t>Gordon’s g20 example and its </a:t>
-            </a:r>
-            <a:r>
-              <a:rPr lang="en-US" sz="1600" dirty="0">
-                <a:solidFill>
-                  <a:srgbClr val="FF0000"/>
-                </a:solidFill>
-              </a:rPr>
-              <a:t>“LI walk-back”</a:t>
+              <a:rPr lang="en-US" dirty="0"/>
+              <a:t>With nested loops, we need more annotations</a:t>
             </a:r>
           </a:p>
         </p:txBody>
       </p:sp>
       <p:pic>
         <p:nvPicPr>
-          <p:cNvPr id="5" name="Picture 4" descr="Diagram, schematic&#10;&#10;Description automatically generated">
+          <p:cNvPr id="5" name="Picture 4" descr="Text&#10;&#10;Description automatically generated">
             <a:extLst>
               <a:ext uri="{FF2B5EF4-FFF2-40B4-BE49-F238E27FC236}">
-                <a16:creationId xmlns:a16="http://schemas.microsoft.com/office/drawing/2014/main" id="{3DDEC560-3E5E-194A-B96D-FC256827B214}"/>
+                <a16:creationId xmlns:a16="http://schemas.microsoft.com/office/drawing/2014/main" id="{B256A73E-DC43-FA40-B1C8-C6673143EEDA}"/>
               </a:ext>
             </a:extLst>
           </p:cNvPr>
@@ -6142,18 +6196,95 @@
         </p:blipFill>
         <p:spPr>
           <a:xfrm>
-            <a:off x="2399808" y="315910"/>
-            <a:ext cx="7767465" cy="6542089"/>
+            <a:off x="838200" y="983412"/>
+            <a:ext cx="5856623" cy="5874588"/>
           </a:xfrm>
           <a:prstGeom prst="rect">
             <a:avLst/>
           </a:prstGeom>
         </p:spPr>
       </p:pic>
+      <p:sp>
+        <p:nvSpPr>
+          <p:cNvPr id="3" name="TextBox 2">
+            <a:extLst>
+              <a:ext uri="{FF2B5EF4-FFF2-40B4-BE49-F238E27FC236}">
+                <a16:creationId xmlns:a16="http://schemas.microsoft.com/office/drawing/2014/main" id="{90F44416-CE7C-594F-BB65-0BCC47B4CE9A}"/>
+              </a:ext>
+            </a:extLst>
+          </p:cNvPr>
+          <p:cNvSpPr txBox="1"/>
+          <p:nvPr/>
+        </p:nvSpPr>
+        <p:spPr>
+          <a:xfrm>
+            <a:off x="7916091" y="1933303"/>
+            <a:ext cx="3422732" cy="2585323"/>
+          </a:xfrm>
+          <a:prstGeom prst="rect">
+            <a:avLst/>
+          </a:prstGeom>
+          <a:noFill/>
+        </p:spPr>
+        <p:txBody>
+          <a:bodyPr wrap="none" rtlCol="0">
+            <a:spAutoFit/>
+          </a:bodyPr>
+          <a:lstStyle/>
+          <a:p>
+            <a:r>
+              <a:rPr lang="en-US" dirty="0"/>
+              <a:t>Here is an “optimized” version</a:t>
+            </a:r>
+          </a:p>
+          <a:p>
+            <a:r>
+              <a:rPr lang="en-US" dirty="0"/>
+              <a:t> of the same program</a:t>
+            </a:r>
+          </a:p>
+          <a:p>
+            <a:endParaRPr lang="en-US" dirty="0"/>
+          </a:p>
+          <a:p>
+            <a:r>
+              <a:rPr lang="en-US" dirty="0"/>
+              <a:t>The inner loop does “doubling”</a:t>
+            </a:r>
+          </a:p>
+          <a:p>
+            <a:r>
+              <a:rPr lang="en-US" dirty="0"/>
+              <a:t>of Y each time X is even</a:t>
+            </a:r>
+          </a:p>
+          <a:p>
+            <a:endParaRPr lang="en-US" dirty="0"/>
+          </a:p>
+          <a:p>
+            <a:r>
+              <a:rPr lang="en-US" dirty="0"/>
+              <a:t>The well-founded relation</a:t>
+            </a:r>
+          </a:p>
+          <a:p>
+            <a:r>
+              <a:rPr lang="en-US" dirty="0"/>
+              <a:t> (to argue termination) is also</a:t>
+            </a:r>
+          </a:p>
+          <a:p>
+            <a:r>
+              <a:rPr lang="en-US" dirty="0"/>
+              <a:t> given</a:t>
+            </a:r>
+          </a:p>
+        </p:txBody>
+      </p:sp>
     </p:spTree>
     <p:extLst>
       <p:ext uri="{BB962C8B-B14F-4D97-AF65-F5344CB8AC3E}">
-        <p14:creationId xmlns:p14="http://schemas.microsoft.com/office/powerpoint/2010/main" val="3053459250"/>
+        <p14:creationId xmlns:p14="http://schemas.microsoft.com/office/powerpoint/2010/main" val="1342221163"/>
       </p:ext>
     </p:extLst>
   </p:cSld>
@@ -6185,7 +6316,7 @@
           <p:cNvPr id="2" name="Title 1">
             <a:extLst>
               <a:ext uri="{FF2B5EF4-FFF2-40B4-BE49-F238E27FC236}">
-                <a16:creationId xmlns:a16="http://schemas.microsoft.com/office/drawing/2014/main" id="{2E37DBE7-FAAC-5149-A56C-EAA81D36954A}"/>
+                <a16:creationId xmlns:a16="http://schemas.microsoft.com/office/drawing/2014/main" id="{0837267C-B3DE-4544-9C3F-86E3F0236E90}"/>
               </a:ext>
             </a:extLst>
           </p:cNvPr>
@@ -6196,7 +6327,12 @@
             <p:ph type="title"/>
           </p:nvPr>
         </p:nvSpPr>
-        <p:spPr/>
+        <p:spPr>
+          <a:xfrm>
+            <a:off x="838200" y="339000"/>
+            <a:ext cx="11075126" cy="618286"/>
+          </a:xfrm>
+        </p:spPr>
         <p:txBody>
           <a:bodyPr>
             <a:normAutofit fontScale="90000"/>
@@ -6205,93 +6341,84 @@
           <a:p>
             <a:r>
               <a:rPr lang="en-US" dirty="0"/>
-              <a:t>Conclusions</a:t>
-            </a:r>
-          </a:p>
-        </p:txBody>
-      </p:sp>
-      <p:sp>
-        <p:nvSpPr>
-          <p:cNvPr id="3" name="Content Placeholder 2">
+              <a:t>With nested loops, we need more annotations</a:t>
+            </a:r>
+          </a:p>
+        </p:txBody>
+      </p:sp>
+      <p:pic>
+        <p:nvPicPr>
+          <p:cNvPr id="5" name="Picture 4" descr="Text&#10;&#10;Description automatically generated">
             <a:extLst>
               <a:ext uri="{FF2B5EF4-FFF2-40B4-BE49-F238E27FC236}">
-                <a16:creationId xmlns:a16="http://schemas.microsoft.com/office/drawing/2014/main" id="{CA293F9B-A00E-294D-BAD7-A121EF390C59}"/>
+                <a16:creationId xmlns:a16="http://schemas.microsoft.com/office/drawing/2014/main" id="{B256A73E-DC43-FA40-B1C8-C6673143EEDA}"/>
               </a:ext>
             </a:extLst>
           </p:cNvPr>
-          <p:cNvSpPr>
-            <a:spLocks noGrp="1"/>
-          </p:cNvSpPr>
-          <p:nvPr>
-            <p:ph idx="1"/>
-          </p:nvPr>
-        </p:nvSpPr>
-        <p:spPr>
-          <a:xfrm>
-            <a:off x="838200" y="1825624"/>
-            <a:ext cx="10515600" cy="4361816"/>
-          </a:xfrm>
-        </p:spPr>
-        <p:txBody>
-          <a:bodyPr>
-            <a:normAutofit/>
+          <p:cNvPicPr>
+            <a:picLocks noChangeAspect="1"/>
+          </p:cNvPicPr>
+          <p:nvPr/>
+        </p:nvPicPr>
+        <p:blipFill>
+          <a:blip r:embed="rId2"/>
+          <a:stretch>
+            <a:fillRect/>
+          </a:stretch>
+        </p:blipFill>
+        <p:spPr>
+          <a:xfrm>
+            <a:off x="838200" y="983412"/>
+            <a:ext cx="5856623" cy="5874588"/>
+          </a:xfrm>
+          <a:prstGeom prst="rect">
+            <a:avLst/>
+          </a:prstGeom>
+        </p:spPr>
+      </p:pic>
+      <p:sp>
+        <p:nvSpPr>
+          <p:cNvPr id="3" name="TextBox 2">
+            <a:extLst>
+              <a:ext uri="{FF2B5EF4-FFF2-40B4-BE49-F238E27FC236}">
+                <a16:creationId xmlns:a16="http://schemas.microsoft.com/office/drawing/2014/main" id="{90F44416-CE7C-594F-BB65-0BCC47B4CE9A}"/>
+              </a:ext>
+            </a:extLst>
+          </p:cNvPr>
+          <p:cNvSpPr txBox="1"/>
+          <p:nvPr/>
+        </p:nvSpPr>
+        <p:spPr>
+          <a:xfrm>
+            <a:off x="7916091" y="1933303"/>
+            <a:ext cx="3754682" cy="923330"/>
+          </a:xfrm>
+          <a:prstGeom prst="rect">
+            <a:avLst/>
+          </a:prstGeom>
+          <a:noFill/>
+        </p:spPr>
+        <p:txBody>
+          <a:bodyPr wrap="none" rtlCol="0">
+            <a:spAutoFit/>
           </a:bodyPr>
           <a:lstStyle/>
           <a:p>
-            <a:endParaRPr lang="en-US" dirty="0"/>
-          </a:p>
-          <a:p>
-            <a:r>
-              <a:rPr lang="en-US" dirty="0"/>
-              <a:t>Historically the first verification approach considered</a:t>
-            </a:r>
-          </a:p>
-          <a:p>
-            <a:r>
-              <a:rPr lang="en-US" dirty="0"/>
-              <a:t>Recently </a:t>
-            </a:r>
-            <a:r>
-              <a:rPr lang="en-US" dirty="0" err="1"/>
-              <a:t>TimSort</a:t>
-            </a:r>
-            <a:r>
-              <a:rPr lang="en-US" dirty="0"/>
-              <a:t> was found to be buggy and upgraded</a:t>
-            </a:r>
-          </a:p>
-          <a:p>
-            <a:pPr lvl="1"/>
-            <a:r>
-              <a:rPr lang="en-US" dirty="0"/>
-              <a:t>See Wikipedia article on the </a:t>
-            </a:r>
-            <a:r>
-              <a:rPr lang="en-US" dirty="0" err="1"/>
-              <a:t>TimSort</a:t>
-            </a:r>
-            <a:r>
-              <a:rPr lang="en-US" dirty="0"/>
-              <a:t> bug</a:t>
-            </a:r>
-          </a:p>
-          <a:p>
-            <a:pPr lvl="1"/>
-            <a:r>
-              <a:rPr lang="en-US" dirty="0"/>
-              <a:t>Proved by people using the theorem prover called Key</a:t>
-            </a:r>
-          </a:p>
-          <a:p>
-            <a:r>
-              <a:rPr lang="en-US" dirty="0"/>
-              <a:t>A good intuition about how Hoare Logic verifiers work is important </a:t>
-            </a:r>
-          </a:p>
-          <a:p>
-            <a:r>
-              <a:rPr lang="en-US" dirty="0"/>
-              <a:t>Will study a Lisp-based verifier in Gordon’s book meanwhile</a:t>
+            <a:r>
+              <a:rPr lang="en-US" dirty="0"/>
+              <a:t>Let’s at least get some experience</a:t>
+            </a:r>
+          </a:p>
+          <a:p>
+            <a:r>
+              <a:rPr lang="en-US" dirty="0"/>
+              <a:t>applying the WP rules</a:t>
+            </a:r>
+          </a:p>
+          <a:p>
+            <a:r>
+              <a:rPr lang="en-US" dirty="0"/>
+              <a:t>by hand</a:t>
             </a:r>
           </a:p>
         </p:txBody>
@@ -6299,7 +6426,7 @@
     </p:spTree>
     <p:extLst>
       <p:ext uri="{BB962C8B-B14F-4D97-AF65-F5344CB8AC3E}">
-        <p14:creationId xmlns:p14="http://schemas.microsoft.com/office/powerpoint/2010/main" val="864624765"/>
+        <p14:creationId xmlns:p14="http://schemas.microsoft.com/office/powerpoint/2010/main" val="250050755"/>
       </p:ext>
     </p:extLst>
   </p:cSld>
@@ -6331,7 +6458,7 @@
           <p:cNvPr id="2" name="Title 1">
             <a:extLst>
               <a:ext uri="{FF2B5EF4-FFF2-40B4-BE49-F238E27FC236}">
-                <a16:creationId xmlns:a16="http://schemas.microsoft.com/office/drawing/2014/main" id="{6BB10344-B3D4-CB49-B945-883ED6C6FE27}"/>
+                <a16:creationId xmlns:a16="http://schemas.microsoft.com/office/drawing/2014/main" id="{5214BD27-BDF5-664D-9D83-54A21FCDACF0}"/>
               </a:ext>
             </a:extLst>
           </p:cNvPr>
@@ -6342,7 +6469,12 @@
             <p:ph type="title"/>
           </p:nvPr>
         </p:nvSpPr>
-        <p:spPr/>
+        <p:spPr>
+          <a:xfrm>
+            <a:off x="838200" y="365126"/>
+            <a:ext cx="11205754" cy="618286"/>
+          </a:xfrm>
+        </p:spPr>
         <p:txBody>
           <a:bodyPr>
             <a:normAutofit fontScale="90000"/>
@@ -6351,17 +6483,140 @@
           <a:p>
             <a:r>
               <a:rPr lang="en-US" dirty="0"/>
-              <a:t>g20a : Gordon’s example 20</a:t>
-            </a:r>
+              <a:t>Good overviews of Hoare Logic</a:t>
+            </a:r>
+          </a:p>
+        </p:txBody>
+      </p:sp>
+      <p:sp>
+        <p:nvSpPr>
+          <p:cNvPr id="5" name="Content Placeholder 4">
+            <a:extLst>
+              <a:ext uri="{FF2B5EF4-FFF2-40B4-BE49-F238E27FC236}">
+                <a16:creationId xmlns:a16="http://schemas.microsoft.com/office/drawing/2014/main" id="{C889DA17-52DA-2B4D-BC3F-5CFA3FFFEF8D}"/>
+              </a:ext>
+            </a:extLst>
+          </p:cNvPr>
+          <p:cNvSpPr>
+            <a:spLocks noGrp="1"/>
+          </p:cNvSpPr>
+          <p:nvPr>
+            <p:ph idx="1"/>
+          </p:nvPr>
+        </p:nvSpPr>
+        <p:spPr/>
+        <p:txBody>
+          <a:bodyPr/>
+          <a:lstStyle/>
+          <a:p>
+            <a:r>
+              <a:rPr lang="en-US" dirty="0"/>
+              <a:t> </a:t>
+            </a:r>
+            <a:r>
+              <a:rPr lang="en-US" dirty="0">
+                <a:hlinkClick r:id="rId2"/>
+              </a:rPr>
+              <a:t>https://www.embedded-testing.de/files/cleancode/site/vortraege2016/kooijmans_sander_How%20invariants%20help%20writing%20loops.pdf</a:t>
+            </a:r>
+            <a:r>
+              <a:rPr lang="en-US" dirty="0"/>
+              <a:t> </a:t>
+            </a:r>
+          </a:p>
+          <a:p>
+            <a:r>
+              <a:rPr lang="en-US" dirty="0">
+                <a:hlinkClick r:id="rId3"/>
+              </a:rPr>
+              <a:t>https://www.cl.cam.ac.uk/archive/mjcg/HL/Notes/Notes.pdf</a:t>
+            </a:r>
+            <a:r>
+              <a:rPr lang="en-US" dirty="0"/>
+              <a:t> </a:t>
+            </a:r>
+          </a:p>
+          <a:p>
+            <a:endParaRPr lang="en-US" dirty="0"/>
+          </a:p>
+        </p:txBody>
+      </p:sp>
+    </p:spTree>
+    <p:extLst>
+      <p:ext uri="{BB962C8B-B14F-4D97-AF65-F5344CB8AC3E}">
+        <p14:creationId xmlns:p14="http://schemas.microsoft.com/office/powerpoint/2010/main" val="2845488053"/>
+      </p:ext>
+    </p:extLst>
+  </p:cSld>
+  <p:clrMapOvr>
+    <a:masterClrMapping/>
+  </p:clrMapOvr>
+</p:sld>
+</file>
+
+<file path=ppt/slides/slide30.xml><?xml version="1.0" encoding="utf-8"?>
+<p:sld xmlns:a="http://schemas.openxmlformats.org/drawingml/2006/main" xmlns:r="http://schemas.openxmlformats.org/officeDocument/2006/relationships" xmlns:p="http://schemas.openxmlformats.org/presentationml/2006/main">
+  <p:cSld>
+    <p:spTree>
+      <p:nvGrpSpPr>
+        <p:cNvPr id="1" name=""/>
+        <p:cNvGrpSpPr/>
+        <p:nvPr/>
+      </p:nvGrpSpPr>
+      <p:grpSpPr>
+        <a:xfrm>
+          <a:off x="0" y="0"/>
+          <a:ext cx="0" cy="0"/>
+          <a:chOff x="0" y="0"/>
+          <a:chExt cx="0" cy="0"/>
+        </a:xfrm>
+      </p:grpSpPr>
+      <p:sp>
+        <p:nvSpPr>
+          <p:cNvPr id="2" name="Title 1">
+            <a:extLst>
+              <a:ext uri="{FF2B5EF4-FFF2-40B4-BE49-F238E27FC236}">
+                <a16:creationId xmlns:a16="http://schemas.microsoft.com/office/drawing/2014/main" id="{0837267C-B3DE-4544-9C3F-86E3F0236E90}"/>
+              </a:ext>
+            </a:extLst>
+          </p:cNvPr>
+          <p:cNvSpPr>
+            <a:spLocks noGrp="1"/>
+          </p:cNvSpPr>
+          <p:nvPr>
+            <p:ph type="title"/>
+          </p:nvPr>
+        </p:nvSpPr>
+        <p:spPr>
+          <a:xfrm>
+            <a:off x="838200" y="339000"/>
+            <a:ext cx="11075126" cy="618286"/>
+          </a:xfrm>
+        </p:spPr>
+        <p:txBody>
+          <a:bodyPr>
+            <a:normAutofit/>
+          </a:bodyPr>
+          <a:lstStyle/>
+          <a:p>
+            <a:r>
+              <a:rPr lang="en-US" sz="2000" dirty="0"/>
+              <a:t>Gordon’s Prover with “proof generation” added by </a:t>
+            </a:r>
+            <a:r>
+              <a:rPr lang="en-US" sz="2000" dirty="0" err="1"/>
+              <a:t>Mantha</a:t>
+            </a:r>
+            <a:endParaRPr lang="en-US" sz="2000" dirty="0"/>
           </a:p>
         </p:txBody>
       </p:sp>
       <p:pic>
         <p:nvPicPr>
-          <p:cNvPr id="5" name="Picture 4" descr="A picture containing text, device&#10;&#10;Description automatically generated">
+          <p:cNvPr id="6" name="Picture 5" descr="Text&#10;&#10;Description automatically generated">
             <a:extLst>
               <a:ext uri="{FF2B5EF4-FFF2-40B4-BE49-F238E27FC236}">
-                <a16:creationId xmlns:a16="http://schemas.microsoft.com/office/drawing/2014/main" id="{9F1D9A39-DF7D-DA47-82D6-6C1D618D7F29}"/>
+                <a16:creationId xmlns:a16="http://schemas.microsoft.com/office/drawing/2014/main" id="{BE0704D8-CE7C-8B44-BC26-2B5BBE8A199E}"/>
               </a:ext>
             </a:extLst>
           </p:cNvPr>
@@ -6378,20 +6633,390 @@
         </p:blipFill>
         <p:spPr>
           <a:xfrm>
-            <a:off x="838200" y="1250950"/>
-            <a:ext cx="8153400" cy="4356100"/>
+            <a:off x="3511550" y="2273300"/>
+            <a:ext cx="5168900" cy="2311400"/>
           </a:xfrm>
           <a:prstGeom prst="rect">
             <a:avLst/>
           </a:prstGeom>
         </p:spPr>
       </p:pic>
-      <p:sp>
-        <p:nvSpPr>
-          <p:cNvPr id="6" name="TextBox 5">
+    </p:spTree>
+    <p:extLst>
+      <p:ext uri="{BB962C8B-B14F-4D97-AF65-F5344CB8AC3E}">
+        <p14:creationId xmlns:p14="http://schemas.microsoft.com/office/powerpoint/2010/main" val="2513492158"/>
+      </p:ext>
+    </p:extLst>
+  </p:cSld>
+  <p:clrMapOvr>
+    <a:masterClrMapping/>
+  </p:clrMapOvr>
+</p:sld>
+</file>
+
+<file path=ppt/slides/slide31.xml><?xml version="1.0" encoding="utf-8"?>
+<p:sld xmlns:a="http://schemas.openxmlformats.org/drawingml/2006/main" xmlns:r="http://schemas.openxmlformats.org/officeDocument/2006/relationships" xmlns:p="http://schemas.openxmlformats.org/presentationml/2006/main">
+  <p:cSld>
+    <p:spTree>
+      <p:nvGrpSpPr>
+        <p:cNvPr id="1" name=""/>
+        <p:cNvGrpSpPr/>
+        <p:nvPr/>
+      </p:nvGrpSpPr>
+      <p:grpSpPr>
+        <a:xfrm>
+          <a:off x="0" y="0"/>
+          <a:ext cx="0" cy="0"/>
+          <a:chOff x="0" y="0"/>
+          <a:chExt cx="0" cy="0"/>
+        </a:xfrm>
+      </p:grpSpPr>
+      <p:sp>
+        <p:nvSpPr>
+          <p:cNvPr id="2" name="Title 1">
             <a:extLst>
               <a:ext uri="{FF2B5EF4-FFF2-40B4-BE49-F238E27FC236}">
-                <a16:creationId xmlns:a16="http://schemas.microsoft.com/office/drawing/2014/main" id="{D8BA55D9-EFBE-2149-B2F6-33662FFC594C}"/>
+                <a16:creationId xmlns:a16="http://schemas.microsoft.com/office/drawing/2014/main" id="{0837267C-B3DE-4544-9C3F-86E3F0236E90}"/>
+              </a:ext>
+            </a:extLst>
+          </p:cNvPr>
+          <p:cNvSpPr>
+            <a:spLocks noGrp="1"/>
+          </p:cNvSpPr>
+          <p:nvPr>
+            <p:ph type="title"/>
+          </p:nvPr>
+        </p:nvSpPr>
+        <p:spPr>
+          <a:xfrm>
+            <a:off x="838200" y="339000"/>
+            <a:ext cx="11075126" cy="618286"/>
+          </a:xfrm>
+        </p:spPr>
+        <p:txBody>
+          <a:bodyPr>
+            <a:normAutofit/>
+          </a:bodyPr>
+          <a:lstStyle/>
+          <a:p>
+            <a:r>
+              <a:rPr lang="en-US" sz="2000" dirty="0"/>
+              <a:t>Gordon’s Prover with “proof generation” added by </a:t>
+            </a:r>
+            <a:r>
+              <a:rPr lang="en-US" sz="2000" dirty="0" err="1"/>
+              <a:t>Mantha</a:t>
+            </a:r>
+            <a:endParaRPr lang="en-US" sz="2000" dirty="0"/>
+          </a:p>
+        </p:txBody>
+      </p:sp>
+      <p:pic>
+        <p:nvPicPr>
+          <p:cNvPr id="4" name="Picture 3" descr="Text&#10;&#10;Description automatically generated">
+            <a:extLst>
+              <a:ext uri="{FF2B5EF4-FFF2-40B4-BE49-F238E27FC236}">
+                <a16:creationId xmlns:a16="http://schemas.microsoft.com/office/drawing/2014/main" id="{C9010A78-9995-2742-AFCD-940ADFCB6299}"/>
+              </a:ext>
+            </a:extLst>
+          </p:cNvPr>
+          <p:cNvPicPr>
+            <a:picLocks noChangeAspect="1"/>
+          </p:cNvPicPr>
+          <p:nvPr/>
+        </p:nvPicPr>
+        <p:blipFill>
+          <a:blip r:embed="rId2"/>
+          <a:stretch>
+            <a:fillRect/>
+          </a:stretch>
+        </p:blipFill>
+        <p:spPr>
+          <a:xfrm>
+            <a:off x="2398596" y="0"/>
+            <a:ext cx="7394808" cy="6858000"/>
+          </a:xfrm>
+          <a:prstGeom prst="rect">
+            <a:avLst/>
+          </a:prstGeom>
+        </p:spPr>
+      </p:pic>
+    </p:spTree>
+    <p:extLst>
+      <p:ext uri="{BB962C8B-B14F-4D97-AF65-F5344CB8AC3E}">
+        <p14:creationId xmlns:p14="http://schemas.microsoft.com/office/powerpoint/2010/main" val="1971689193"/>
+      </p:ext>
+    </p:extLst>
+  </p:cSld>
+  <p:clrMapOvr>
+    <a:masterClrMapping/>
+  </p:clrMapOvr>
+</p:sld>
+</file>
+
+<file path=ppt/slides/slide32.xml><?xml version="1.0" encoding="utf-8"?>
+<p:sld xmlns:a="http://schemas.openxmlformats.org/drawingml/2006/main" xmlns:r="http://schemas.openxmlformats.org/officeDocument/2006/relationships" xmlns:p="http://schemas.openxmlformats.org/presentationml/2006/main">
+  <p:cSld>
+    <p:spTree>
+      <p:nvGrpSpPr>
+        <p:cNvPr id="1" name=""/>
+        <p:cNvGrpSpPr/>
+        <p:nvPr/>
+      </p:nvGrpSpPr>
+      <p:grpSpPr>
+        <a:xfrm>
+          <a:off x="0" y="0"/>
+          <a:ext cx="0" cy="0"/>
+          <a:chOff x="0" y="0"/>
+          <a:chExt cx="0" cy="0"/>
+        </a:xfrm>
+      </p:grpSpPr>
+      <p:sp>
+        <p:nvSpPr>
+          <p:cNvPr id="2" name="Title 1">
+            <a:extLst>
+              <a:ext uri="{FF2B5EF4-FFF2-40B4-BE49-F238E27FC236}">
+                <a16:creationId xmlns:a16="http://schemas.microsoft.com/office/drawing/2014/main" id="{0837267C-B3DE-4544-9C3F-86E3F0236E90}"/>
+              </a:ext>
+            </a:extLst>
+          </p:cNvPr>
+          <p:cNvSpPr>
+            <a:spLocks noGrp="1"/>
+          </p:cNvSpPr>
+          <p:nvPr>
+            <p:ph type="title"/>
+          </p:nvPr>
+        </p:nvSpPr>
+        <p:spPr>
+          <a:xfrm>
+            <a:off x="838200" y="339000"/>
+            <a:ext cx="11075126" cy="618286"/>
+          </a:xfrm>
+        </p:spPr>
+        <p:txBody>
+          <a:bodyPr>
+            <a:normAutofit/>
+          </a:bodyPr>
+          <a:lstStyle/>
+          <a:p>
+            <a:r>
+              <a:rPr lang="en-US" sz="2000" dirty="0"/>
+              <a:t>Gordon’s Prover with “proof generation” added by </a:t>
+            </a:r>
+            <a:r>
+              <a:rPr lang="en-US" sz="2000" dirty="0" err="1"/>
+              <a:t>Mantha</a:t>
+            </a:r>
+            <a:endParaRPr lang="en-US" sz="2000" dirty="0"/>
+          </a:p>
+        </p:txBody>
+      </p:sp>
+      <p:pic>
+        <p:nvPicPr>
+          <p:cNvPr id="4" name="Picture 3" descr="Text&#10;&#10;Description automatically generated">
+            <a:extLst>
+              <a:ext uri="{FF2B5EF4-FFF2-40B4-BE49-F238E27FC236}">
+                <a16:creationId xmlns:a16="http://schemas.microsoft.com/office/drawing/2014/main" id="{58937E55-F522-E94F-B78E-25FC137C1FD3}"/>
+              </a:ext>
+            </a:extLst>
+          </p:cNvPr>
+          <p:cNvPicPr>
+            <a:picLocks noChangeAspect="1"/>
+          </p:cNvPicPr>
+          <p:nvPr/>
+        </p:nvPicPr>
+        <p:blipFill>
+          <a:blip r:embed="rId2"/>
+          <a:stretch>
+            <a:fillRect/>
+          </a:stretch>
+        </p:blipFill>
+        <p:spPr>
+          <a:xfrm>
+            <a:off x="1857846" y="0"/>
+            <a:ext cx="8476307" cy="6858000"/>
+          </a:xfrm>
+          <a:prstGeom prst="rect">
+            <a:avLst/>
+          </a:prstGeom>
+        </p:spPr>
+      </p:pic>
+    </p:spTree>
+    <p:extLst>
+      <p:ext uri="{BB962C8B-B14F-4D97-AF65-F5344CB8AC3E}">
+        <p14:creationId xmlns:p14="http://schemas.microsoft.com/office/powerpoint/2010/main" val="2737493704"/>
+      </p:ext>
+    </p:extLst>
+  </p:cSld>
+  <p:clrMapOvr>
+    <a:masterClrMapping/>
+  </p:clrMapOvr>
+</p:sld>
+</file>
+
+<file path=ppt/slides/slide33.xml><?xml version="1.0" encoding="utf-8"?>
+<p:sld xmlns:a="http://schemas.openxmlformats.org/drawingml/2006/main" xmlns:r="http://schemas.openxmlformats.org/officeDocument/2006/relationships" xmlns:p="http://schemas.openxmlformats.org/presentationml/2006/main">
+  <p:cSld>
+    <p:spTree>
+      <p:nvGrpSpPr>
+        <p:cNvPr id="1" name=""/>
+        <p:cNvGrpSpPr/>
+        <p:nvPr/>
+      </p:nvGrpSpPr>
+      <p:grpSpPr>
+        <a:xfrm>
+          <a:off x="0" y="0"/>
+          <a:ext cx="0" cy="0"/>
+          <a:chOff x="0" y="0"/>
+          <a:chExt cx="0" cy="0"/>
+        </a:xfrm>
+      </p:grpSpPr>
+      <p:sp>
+        <p:nvSpPr>
+          <p:cNvPr id="2" name="Title 1">
+            <a:extLst>
+              <a:ext uri="{FF2B5EF4-FFF2-40B4-BE49-F238E27FC236}">
+                <a16:creationId xmlns:a16="http://schemas.microsoft.com/office/drawing/2014/main" id="{0837267C-B3DE-4544-9C3F-86E3F0236E90}"/>
+              </a:ext>
+            </a:extLst>
+          </p:cNvPr>
+          <p:cNvSpPr>
+            <a:spLocks noGrp="1"/>
+          </p:cNvSpPr>
+          <p:nvPr>
+            <p:ph type="title"/>
+          </p:nvPr>
+        </p:nvSpPr>
+        <p:spPr>
+          <a:xfrm>
+            <a:off x="838200" y="339000"/>
+            <a:ext cx="11075126" cy="618286"/>
+          </a:xfrm>
+        </p:spPr>
+        <p:txBody>
+          <a:bodyPr>
+            <a:normAutofit/>
+          </a:bodyPr>
+          <a:lstStyle/>
+          <a:p>
+            <a:r>
+              <a:rPr lang="en-US" sz="2000" dirty="0"/>
+              <a:t>Gordon’s Prover with “proof generation” added by </a:t>
+            </a:r>
+            <a:r>
+              <a:rPr lang="en-US" sz="2000" dirty="0" err="1"/>
+              <a:t>Mantha</a:t>
+            </a:r>
+            <a:endParaRPr lang="en-US" sz="2000" dirty="0"/>
+          </a:p>
+        </p:txBody>
+      </p:sp>
+      <p:pic>
+        <p:nvPicPr>
+          <p:cNvPr id="4" name="Picture 3">
+            <a:extLst>
+              <a:ext uri="{FF2B5EF4-FFF2-40B4-BE49-F238E27FC236}">
+                <a16:creationId xmlns:a16="http://schemas.microsoft.com/office/drawing/2014/main" id="{D2B8B782-C1C0-5947-B318-F08B538EF09C}"/>
+              </a:ext>
+            </a:extLst>
+          </p:cNvPr>
+          <p:cNvPicPr>
+            <a:picLocks noChangeAspect="1"/>
+          </p:cNvPicPr>
+          <p:nvPr/>
+        </p:nvPicPr>
+        <p:blipFill>
+          <a:blip r:embed="rId2"/>
+          <a:stretch>
+            <a:fillRect/>
+          </a:stretch>
+        </p:blipFill>
+        <p:spPr>
+          <a:xfrm>
+            <a:off x="2292350" y="3016250"/>
+            <a:ext cx="7607300" cy="825500"/>
+          </a:xfrm>
+          <a:prstGeom prst="rect">
+            <a:avLst/>
+          </a:prstGeom>
+        </p:spPr>
+      </p:pic>
+    </p:spTree>
+    <p:extLst>
+      <p:ext uri="{BB962C8B-B14F-4D97-AF65-F5344CB8AC3E}">
+        <p14:creationId xmlns:p14="http://schemas.microsoft.com/office/powerpoint/2010/main" val="1520280149"/>
+      </p:ext>
+    </p:extLst>
+  </p:cSld>
+  <p:clrMapOvr>
+    <a:masterClrMapping/>
+  </p:clrMapOvr>
+</p:sld>
+</file>
+
+<file path=ppt/slides/slide34.xml><?xml version="1.0" encoding="utf-8"?>
+<p:sld xmlns:a="http://schemas.openxmlformats.org/drawingml/2006/main" xmlns:r="http://schemas.openxmlformats.org/officeDocument/2006/relationships" xmlns:p="http://schemas.openxmlformats.org/presentationml/2006/main">
+  <p:cSld>
+    <p:spTree>
+      <p:nvGrpSpPr>
+        <p:cNvPr id="1" name=""/>
+        <p:cNvGrpSpPr/>
+        <p:nvPr/>
+      </p:nvGrpSpPr>
+      <p:grpSpPr>
+        <a:xfrm>
+          <a:off x="0" y="0"/>
+          <a:ext cx="0" cy="0"/>
+          <a:chOff x="0" y="0"/>
+          <a:chExt cx="0" cy="0"/>
+        </a:xfrm>
+      </p:grpSpPr>
+      <p:sp>
+        <p:nvSpPr>
+          <p:cNvPr id="2" name="Title 1">
+            <a:extLst>
+              <a:ext uri="{FF2B5EF4-FFF2-40B4-BE49-F238E27FC236}">
+                <a16:creationId xmlns:a16="http://schemas.microsoft.com/office/drawing/2014/main" id="{0837267C-B3DE-4544-9C3F-86E3F0236E90}"/>
+              </a:ext>
+            </a:extLst>
+          </p:cNvPr>
+          <p:cNvSpPr>
+            <a:spLocks noGrp="1"/>
+          </p:cNvSpPr>
+          <p:nvPr>
+            <p:ph type="title"/>
+          </p:nvPr>
+        </p:nvSpPr>
+        <p:spPr>
+          <a:xfrm>
+            <a:off x="838200" y="339000"/>
+            <a:ext cx="11075126" cy="618286"/>
+          </a:xfrm>
+        </p:spPr>
+        <p:txBody>
+          <a:bodyPr>
+            <a:normAutofit/>
+          </a:bodyPr>
+          <a:lstStyle/>
+          <a:p>
+            <a:r>
+              <a:rPr lang="en-US" sz="2000" dirty="0"/>
+              <a:t>Gordon’s Prover with “proof generation” added by </a:t>
+            </a:r>
+            <a:r>
+              <a:rPr lang="en-US" sz="2000" dirty="0" err="1"/>
+              <a:t>Mantha</a:t>
+            </a:r>
+            <a:endParaRPr lang="en-US" sz="2000" dirty="0"/>
+          </a:p>
+        </p:txBody>
+      </p:sp>
+      <p:sp>
+        <p:nvSpPr>
+          <p:cNvPr id="3" name="TextBox 2">
+            <a:extLst>
+              <a:ext uri="{FF2B5EF4-FFF2-40B4-BE49-F238E27FC236}">
+                <a16:creationId xmlns:a16="http://schemas.microsoft.com/office/drawing/2014/main" id="{462E0FCD-814D-E241-8362-24EAED3DD1E5}"/>
               </a:ext>
             </a:extLst>
           </p:cNvPr>
@@ -6399,9 +7024,9 @@
           <p:nvPr/>
         </p:nvSpPr>
         <p:spPr>
-          <a:xfrm flipH="1">
-            <a:off x="8991600" y="1722120"/>
-            <a:ext cx="2362200" cy="1477328"/>
+          <a:xfrm>
+            <a:off x="4990011" y="3213463"/>
+            <a:ext cx="1633524" cy="369332"/>
           </a:xfrm>
           <a:prstGeom prst="rect">
             <a:avLst/>
@@ -6409,43 +7034,27 @@
           <a:noFill/>
         </p:spPr>
         <p:txBody>
-          <a:bodyPr wrap="square" rtlCol="0">
+          <a:bodyPr wrap="none" rtlCol="0">
             <a:spAutoFit/>
           </a:bodyPr>
           <a:lstStyle/>
           <a:p>
             <a:r>
               <a:rPr lang="en-US" dirty="0"/>
-              <a:t>The question is</a:t>
-            </a:r>
-          </a:p>
-          <a:p>
+              <a:t>Run using </a:t>
+            </a:r>
+            <a:r>
+              <a:rPr lang="en-US" dirty="0" err="1"/>
+              <a:t>sbcl</a:t>
+            </a:r>
             <a:endParaRPr lang="en-US" dirty="0"/>
-          </a:p>
-          <a:p>
-            <a:r>
-              <a:rPr lang="en-US" dirty="0"/>
-              <a:t>Does the</a:t>
-            </a:r>
-          </a:p>
-          <a:p>
-            <a:r>
-              <a:rPr lang="en-US" dirty="0"/>
-              <a:t>“ensures”</a:t>
-            </a:r>
-          </a:p>
-          <a:p>
-            <a:r>
-              <a:rPr lang="en-US" dirty="0"/>
-              <a:t>Clause hold?</a:t>
-            </a:r>
           </a:p>
         </p:txBody>
       </p:sp>
     </p:spTree>
     <p:extLst>
       <p:ext uri="{BB962C8B-B14F-4D97-AF65-F5344CB8AC3E}">
-        <p14:creationId xmlns:p14="http://schemas.microsoft.com/office/powerpoint/2010/main" val="2989148687"/>
+        <p14:creationId xmlns:p14="http://schemas.microsoft.com/office/powerpoint/2010/main" val="1609897125"/>
       </p:ext>
     </p:extLst>
   </p:cSld>
@@ -6477,7 +7086,7 @@
           <p:cNvPr id="2" name="Title 1">
             <a:extLst>
               <a:ext uri="{FF2B5EF4-FFF2-40B4-BE49-F238E27FC236}">
-                <a16:creationId xmlns:a16="http://schemas.microsoft.com/office/drawing/2014/main" id="{7ED5AA39-5B81-D84A-B82D-F6B31521F6F8}"/>
+                <a16:creationId xmlns:a16="http://schemas.microsoft.com/office/drawing/2014/main" id="{96ABBD5C-CAEF-B949-8486-360DA0867D57}"/>
               </a:ext>
             </a:extLst>
           </p:cNvPr>
@@ -6488,16 +7097,21 @@
             <p:ph type="title"/>
           </p:nvPr>
         </p:nvSpPr>
-        <p:spPr/>
+        <p:spPr>
+          <a:xfrm>
+            <a:off x="838200" y="365126"/>
+            <a:ext cx="10515600" cy="1021714"/>
+          </a:xfrm>
+        </p:spPr>
         <p:txBody>
           <a:bodyPr>
-            <a:normAutofit fontScale="90000"/>
+            <a:normAutofit/>
           </a:bodyPr>
           <a:lstStyle/>
           <a:p>
             <a:r>
               <a:rPr lang="en-US" dirty="0"/>
-              <a:t>General approach</a:t>
+              <a:t>Let’s analyze an XOR-based swap</a:t>
             </a:r>
           </a:p>
         </p:txBody>
@@ -6507,7 +7121,7 @@
           <p:cNvPr id="3" name="Content Placeholder 2">
             <a:extLst>
               <a:ext uri="{FF2B5EF4-FFF2-40B4-BE49-F238E27FC236}">
-                <a16:creationId xmlns:a16="http://schemas.microsoft.com/office/drawing/2014/main" id="{0EB6F6C8-9F27-2243-A3FE-AF6A7BDDA69F}"/>
+                <a16:creationId xmlns:a16="http://schemas.microsoft.com/office/drawing/2014/main" id="{59B7F8FA-6051-F142-8C1C-157A6A37A204}"/>
               </a:ext>
             </a:extLst>
           </p:cNvPr>
@@ -6525,64 +7139,21 @@
           <a:p>
             <a:r>
               <a:rPr lang="en-US" dirty="0"/>
-              <a:t>Be prepared to analyze only straight-line programs!</a:t>
-            </a:r>
-          </a:p>
-          <a:p>
-            <a:pPr lvl="1"/>
-            <a:r>
-              <a:rPr lang="en-US" dirty="0"/>
-              <a:t>Assignment</a:t>
-            </a:r>
-          </a:p>
-          <a:p>
-            <a:pPr lvl="1"/>
-            <a:r>
-              <a:rPr lang="en-US" dirty="0"/>
-              <a:t>Conditional</a:t>
-            </a:r>
-          </a:p>
-          <a:p>
-            <a:pPr lvl="1"/>
-            <a:r>
-              <a:rPr lang="en-US" dirty="0"/>
-              <a:t>If-then-else</a:t>
-            </a:r>
-          </a:p>
-          <a:p>
-            <a:pPr lvl="1"/>
-            <a:endParaRPr lang="en-US" dirty="0"/>
-          </a:p>
-          <a:p>
-            <a:r>
-              <a:rPr lang="en-US" dirty="0"/>
-              <a:t>For loops, try to find an argument to, in effect, analyze the loop body (which, assume for now, is a </a:t>
-            </a:r>
-            <a:r>
-              <a:rPr lang="en-US" dirty="0" err="1"/>
-              <a:t>straightline</a:t>
-            </a:r>
-            <a:r>
-              <a:rPr lang="en-US" dirty="0"/>
-              <a:t> program)</a:t>
-            </a:r>
-          </a:p>
-          <a:p>
-            <a:pPr lvl="1"/>
-            <a:r>
-              <a:rPr lang="en-US" dirty="0"/>
-              <a:t>We will reveal this idea soon</a:t>
-            </a:r>
-          </a:p>
-          <a:p>
-            <a:endParaRPr lang="en-US" dirty="0"/>
+              <a:t>Basically a trick to swap two variables without a temp</a:t>
+            </a:r>
+          </a:p>
+          <a:p>
+            <a:r>
+              <a:rPr lang="en-US" dirty="0"/>
+              <a:t>Each following slide builds on the previous</a:t>
+            </a:r>
           </a:p>
         </p:txBody>
       </p:sp>
     </p:spTree>
     <p:extLst>
       <p:ext uri="{BB962C8B-B14F-4D97-AF65-F5344CB8AC3E}">
-        <p14:creationId xmlns:p14="http://schemas.microsoft.com/office/powerpoint/2010/main" val="562256503"/>
+        <p14:creationId xmlns:p14="http://schemas.microsoft.com/office/powerpoint/2010/main" val="3713536884"/>
       </p:ext>
     </p:extLst>
   </p:cSld>
@@ -6593,126 +7164,6 @@
 </file>
 
 <file path=ppt/slides/slide5.xml><?xml version="1.0" encoding="utf-8"?>
-<p:sld xmlns:a="http://schemas.openxmlformats.org/drawingml/2006/main" xmlns:r="http://schemas.openxmlformats.org/officeDocument/2006/relationships" xmlns:p="http://schemas.openxmlformats.org/presentationml/2006/main">
-  <p:cSld>
-    <p:spTree>
-      <p:nvGrpSpPr>
-        <p:cNvPr id="1" name=""/>
-        <p:cNvGrpSpPr/>
-        <p:nvPr/>
-      </p:nvGrpSpPr>
-      <p:grpSpPr>
-        <a:xfrm>
-          <a:off x="0" y="0"/>
-          <a:ext cx="0" cy="0"/>
-          <a:chOff x="0" y="0"/>
-          <a:chExt cx="0" cy="0"/>
-        </a:xfrm>
-      </p:grpSpPr>
-      <p:sp>
-        <p:nvSpPr>
-          <p:cNvPr id="2" name="Title 1">
-            <a:extLst>
-              <a:ext uri="{FF2B5EF4-FFF2-40B4-BE49-F238E27FC236}">
-                <a16:creationId xmlns:a16="http://schemas.microsoft.com/office/drawing/2014/main" id="{96ABBD5C-CAEF-B949-8486-360DA0867D57}"/>
-              </a:ext>
-            </a:extLst>
-          </p:cNvPr>
-          <p:cNvSpPr>
-            <a:spLocks noGrp="1"/>
-          </p:cNvSpPr>
-          <p:nvPr>
-            <p:ph type="title"/>
-          </p:nvPr>
-        </p:nvSpPr>
-        <p:spPr>
-          <a:xfrm>
-            <a:off x="838200" y="365126"/>
-            <a:ext cx="10515600" cy="1021714"/>
-          </a:xfrm>
-        </p:spPr>
-        <p:txBody>
-          <a:bodyPr>
-            <a:normAutofit fontScale="90000"/>
-          </a:bodyPr>
-          <a:lstStyle/>
-          <a:p>
-            <a:r>
-              <a:rPr lang="en-US" dirty="0"/>
-              <a:t>But wait, even this example is too complicated!</a:t>
-            </a:r>
-          </a:p>
-        </p:txBody>
-      </p:sp>
-      <p:sp>
-        <p:nvSpPr>
-          <p:cNvPr id="3" name="Content Placeholder 2">
-            <a:extLst>
-              <a:ext uri="{FF2B5EF4-FFF2-40B4-BE49-F238E27FC236}">
-                <a16:creationId xmlns:a16="http://schemas.microsoft.com/office/drawing/2014/main" id="{59B7F8FA-6051-F142-8C1C-157A6A37A204}"/>
-              </a:ext>
-            </a:extLst>
-          </p:cNvPr>
-          <p:cNvSpPr>
-            <a:spLocks noGrp="1"/>
-          </p:cNvSpPr>
-          <p:nvPr>
-            <p:ph idx="1"/>
-          </p:nvPr>
-        </p:nvSpPr>
-        <p:spPr/>
-        <p:txBody>
-          <a:bodyPr/>
-          <a:lstStyle/>
-          <a:p>
-            <a:r>
-              <a:rPr lang="en-US" dirty="0"/>
-              <a:t>We will take a much simpler example….</a:t>
-            </a:r>
-          </a:p>
-          <a:p>
-            <a:endParaRPr lang="en-US" dirty="0"/>
-          </a:p>
-          <a:p>
-            <a:endParaRPr lang="en-US" dirty="0"/>
-          </a:p>
-          <a:p>
-            <a:endParaRPr lang="en-US" dirty="0"/>
-          </a:p>
-          <a:p>
-            <a:endParaRPr lang="en-US" dirty="0"/>
-          </a:p>
-          <a:p>
-            <a:r>
-              <a:rPr lang="en-US" dirty="0"/>
-              <a:t>….. Your friend XOR-swapper !!</a:t>
-            </a:r>
-          </a:p>
-          <a:p>
-            <a:endParaRPr lang="en-US" dirty="0"/>
-          </a:p>
-          <a:p>
-            <a:r>
-              <a:rPr lang="en-US" dirty="0"/>
-              <a:t>Each following slide builds on the previous</a:t>
-            </a:r>
-          </a:p>
-        </p:txBody>
-      </p:sp>
-    </p:spTree>
-    <p:extLst>
-      <p:ext uri="{BB962C8B-B14F-4D97-AF65-F5344CB8AC3E}">
-        <p14:creationId xmlns:p14="http://schemas.microsoft.com/office/powerpoint/2010/main" val="947153807"/>
-      </p:ext>
-    </p:extLst>
-  </p:cSld>
-  <p:clrMapOvr>
-    <a:masterClrMapping/>
-  </p:clrMapOvr>
-</p:sld>
-</file>
-
-<file path=ppt/slides/slide6.xml><?xml version="1.0" encoding="utf-8"?>
 <p:sld xmlns:a="http://schemas.openxmlformats.org/drawingml/2006/main" xmlns:r="http://schemas.openxmlformats.org/officeDocument/2006/relationships" xmlns:p="http://schemas.openxmlformats.org/presentationml/2006/main">
   <p:cSld>
     <p:spTree>
@@ -6762,7 +7213,7 @@
     </p:spTree>
     <p:extLst>
       <p:ext uri="{BB962C8B-B14F-4D97-AF65-F5344CB8AC3E}">
-        <p14:creationId xmlns:p14="http://schemas.microsoft.com/office/powerpoint/2010/main" val="3336770967"/>
+        <p14:creationId xmlns:p14="http://schemas.microsoft.com/office/powerpoint/2010/main" val="3507967887"/>
       </p:ext>
     </p:extLst>
   </p:cSld>
@@ -6772,7 +7223,7 @@
 </p:sld>
 </file>
 
-<file path=ppt/slides/slide7.xml><?xml version="1.0" encoding="utf-8"?>
+<file path=ppt/slides/slide6.xml><?xml version="1.0" encoding="utf-8"?>
 <p:sld xmlns:a="http://schemas.openxmlformats.org/drawingml/2006/main" xmlns:r="http://schemas.openxmlformats.org/officeDocument/2006/relationships" xmlns:p="http://schemas.openxmlformats.org/presentationml/2006/main">
   <p:cSld>
     <p:spTree>
@@ -6822,7 +7273,7 @@
     </p:spTree>
     <p:extLst>
       <p:ext uri="{BB962C8B-B14F-4D97-AF65-F5344CB8AC3E}">
-        <p14:creationId xmlns:p14="http://schemas.microsoft.com/office/powerpoint/2010/main" val="2113119984"/>
+        <p14:creationId xmlns:p14="http://schemas.microsoft.com/office/powerpoint/2010/main" val="2245938068"/>
       </p:ext>
     </p:extLst>
   </p:cSld>
@@ -6832,7 +7283,7 @@
 </p:sld>
 </file>
 
-<file path=ppt/slides/slide8.xml><?xml version="1.0" encoding="utf-8"?>
+<file path=ppt/slides/slide7.xml><?xml version="1.0" encoding="utf-8"?>
 <p:sld xmlns:a="http://schemas.openxmlformats.org/drawingml/2006/main" xmlns:r="http://schemas.openxmlformats.org/officeDocument/2006/relationships" xmlns:p="http://schemas.openxmlformats.org/presentationml/2006/main">
   <p:cSld>
     <p:spTree>
@@ -6882,7 +7333,7 @@
     </p:spTree>
     <p:extLst>
       <p:ext uri="{BB962C8B-B14F-4D97-AF65-F5344CB8AC3E}">
-        <p14:creationId xmlns:p14="http://schemas.microsoft.com/office/powerpoint/2010/main" val="2963209372"/>
+        <p14:creationId xmlns:p14="http://schemas.microsoft.com/office/powerpoint/2010/main" val="608742425"/>
       </p:ext>
     </p:extLst>
   </p:cSld>
@@ -6892,7 +7343,7 @@
 </p:sld>
 </file>
 
-<file path=ppt/slides/slide9.xml><?xml version="1.0" encoding="utf-8"?>
+<file path=ppt/slides/slide8.xml><?xml version="1.0" encoding="utf-8"?>
 <p:sld xmlns:a="http://schemas.openxmlformats.org/drawingml/2006/main" xmlns:r="http://schemas.openxmlformats.org/officeDocument/2006/relationships" xmlns:p="http://schemas.openxmlformats.org/presentationml/2006/main">
   <p:cSld>
     <p:spTree>
@@ -6942,7 +7393,67 @@
     </p:spTree>
     <p:extLst>
       <p:ext uri="{BB962C8B-B14F-4D97-AF65-F5344CB8AC3E}">
-        <p14:creationId xmlns:p14="http://schemas.microsoft.com/office/powerpoint/2010/main" val="1711546400"/>
+        <p14:creationId xmlns:p14="http://schemas.microsoft.com/office/powerpoint/2010/main" val="1692485524"/>
+      </p:ext>
+    </p:extLst>
+  </p:cSld>
+  <p:clrMapOvr>
+    <a:masterClrMapping/>
+  </p:clrMapOvr>
+</p:sld>
+</file>
+
+<file path=ppt/slides/slide9.xml><?xml version="1.0" encoding="utf-8"?>
+<p:sld xmlns:a="http://schemas.openxmlformats.org/drawingml/2006/main" xmlns:r="http://schemas.openxmlformats.org/officeDocument/2006/relationships" xmlns:p="http://schemas.openxmlformats.org/presentationml/2006/main">
+  <p:cSld>
+    <p:spTree>
+      <p:nvGrpSpPr>
+        <p:cNvPr id="1" name=""/>
+        <p:cNvGrpSpPr/>
+        <p:nvPr/>
+      </p:nvGrpSpPr>
+      <p:grpSpPr>
+        <a:xfrm>
+          <a:off x="0" y="0"/>
+          <a:ext cx="0" cy="0"/>
+          <a:chOff x="0" y="0"/>
+          <a:chExt cx="0" cy="0"/>
+        </a:xfrm>
+      </p:grpSpPr>
+      <p:pic>
+        <p:nvPicPr>
+          <p:cNvPr id="3" name="Picture 2" descr="Text&#10;&#10;Description automatically generated">
+            <a:extLst>
+              <a:ext uri="{FF2B5EF4-FFF2-40B4-BE49-F238E27FC236}">
+                <a16:creationId xmlns:a16="http://schemas.microsoft.com/office/drawing/2014/main" id="{3FD6DB53-E4F5-6246-B7F3-374C47F2D0DF}"/>
+              </a:ext>
+            </a:extLst>
+          </p:cNvPr>
+          <p:cNvPicPr>
+            <a:picLocks noChangeAspect="1"/>
+          </p:cNvPicPr>
+          <p:nvPr/>
+        </p:nvPicPr>
+        <p:blipFill>
+          <a:blip r:embed="rId2"/>
+          <a:stretch>
+            <a:fillRect/>
+          </a:stretch>
+        </p:blipFill>
+        <p:spPr>
+          <a:xfrm>
+            <a:off x="2546350" y="1111250"/>
+            <a:ext cx="7099300" cy="4635500"/>
+          </a:xfrm>
+          <a:prstGeom prst="rect">
+            <a:avLst/>
+          </a:prstGeom>
+        </p:spPr>
+      </p:pic>
+    </p:spTree>
+    <p:extLst>
+      <p:ext uri="{BB962C8B-B14F-4D97-AF65-F5344CB8AC3E}">
+        <p14:creationId xmlns:p14="http://schemas.microsoft.com/office/powerpoint/2010/main" val="698863800"/>
       </p:ext>
     </p:extLst>
   </p:cSld>
